--- a/krrThomas/generalizationExample/results/3body/3bodyExample.pptx
+++ b/krrThomas/generalizationExample/results/3body/3bodyExample.pptx
@@ -109,6 +109,11 @@
       </a:defRPr>
     </a:lvl9pPr>
   </p:defaultTextStyle>
+  <p:extLst>
+    <p:ext uri="{EFAFB233-063F-42B5-8137-9DF3F51BA10A}">
+      <p15:sldGuideLst xmlns:p15="http://schemas.microsoft.com/office/powerpoint/2012/main"/>
+    </p:ext>
+  </p:extLst>
 </p:presentation>
 </file>
 
@@ -134,7 +139,7 @@
           <p:cNvPr id="2" name="Title 1">
             <a:extLst>
               <a:ext uri="{FF2B5EF4-FFF2-40B4-BE49-F238E27FC236}">
-                <a16:creationId xmlns:a16="http://schemas.microsoft.com/office/drawing/2014/main" id="{672E218C-49BA-E441-8EDA-88E0A8D3C91F}"/>
+                <a16:creationId xmlns:a16="http://schemas.microsoft.com/office/drawing/2014/main" xmlns="" id="{672E218C-49BA-E441-8EDA-88E0A8D3C91F}"/>
               </a:ext>
             </a:extLst>
           </p:cNvPr>
@@ -172,7 +177,7 @@
           <p:cNvPr id="3" name="Subtitle 2">
             <a:extLst>
               <a:ext uri="{FF2B5EF4-FFF2-40B4-BE49-F238E27FC236}">
-                <a16:creationId xmlns:a16="http://schemas.microsoft.com/office/drawing/2014/main" id="{35E75BDF-5FA7-3646-88DC-8F1F0729E586}"/>
+                <a16:creationId xmlns:a16="http://schemas.microsoft.com/office/drawing/2014/main" xmlns="" id="{35E75BDF-5FA7-3646-88DC-8F1F0729E586}"/>
               </a:ext>
             </a:extLst>
           </p:cNvPr>
@@ -243,7 +248,7 @@
           <p:cNvPr id="4" name="Date Placeholder 3">
             <a:extLst>
               <a:ext uri="{FF2B5EF4-FFF2-40B4-BE49-F238E27FC236}">
-                <a16:creationId xmlns:a16="http://schemas.microsoft.com/office/drawing/2014/main" id="{4D97A2C0-283F-8545-A6F2-C773C3CB860D}"/>
+                <a16:creationId xmlns:a16="http://schemas.microsoft.com/office/drawing/2014/main" xmlns="" id="{4D97A2C0-283F-8545-A6F2-C773C3CB860D}"/>
               </a:ext>
             </a:extLst>
           </p:cNvPr>
@@ -261,7 +266,7 @@
           <a:p>
             <a:fld id="{F06738D2-FB1E-664F-93D5-08BE5C5D2D69}" type="datetimeFigureOut">
               <a:rPr lang="da-DK" smtClean="0"/>
-              <a:t>17/05/2018</a:t>
+              <a:t>18/05/2018</a:t>
             </a:fld>
             <a:endParaRPr lang="da-DK"/>
           </a:p>
@@ -272,7 +277,7 @@
           <p:cNvPr id="5" name="Footer Placeholder 4">
             <a:extLst>
               <a:ext uri="{FF2B5EF4-FFF2-40B4-BE49-F238E27FC236}">
-                <a16:creationId xmlns:a16="http://schemas.microsoft.com/office/drawing/2014/main" id="{F3CBA4FB-76CB-A24B-BA03-5AE1D5823000}"/>
+                <a16:creationId xmlns:a16="http://schemas.microsoft.com/office/drawing/2014/main" xmlns="" id="{F3CBA4FB-76CB-A24B-BA03-5AE1D5823000}"/>
               </a:ext>
             </a:extLst>
           </p:cNvPr>
@@ -297,7 +302,7 @@
           <p:cNvPr id="6" name="Slide Number Placeholder 5">
             <a:extLst>
               <a:ext uri="{FF2B5EF4-FFF2-40B4-BE49-F238E27FC236}">
-                <a16:creationId xmlns:a16="http://schemas.microsoft.com/office/drawing/2014/main" id="{D6E8DE24-C029-6440-BC37-17F4118F5982}"/>
+                <a16:creationId xmlns:a16="http://schemas.microsoft.com/office/drawing/2014/main" xmlns="" id="{D6E8DE24-C029-6440-BC37-17F4118F5982}"/>
               </a:ext>
             </a:extLst>
           </p:cNvPr>
@@ -356,7 +361,7 @@
           <p:cNvPr id="2" name="Title 1">
             <a:extLst>
               <a:ext uri="{FF2B5EF4-FFF2-40B4-BE49-F238E27FC236}">
-                <a16:creationId xmlns:a16="http://schemas.microsoft.com/office/drawing/2014/main" id="{021B19FA-0D49-3F47-821E-32B603CD9876}"/>
+                <a16:creationId xmlns:a16="http://schemas.microsoft.com/office/drawing/2014/main" xmlns="" id="{021B19FA-0D49-3F47-821E-32B603CD9876}"/>
               </a:ext>
             </a:extLst>
           </p:cNvPr>
@@ -385,7 +390,7 @@
           <p:cNvPr id="3" name="Vertical Text Placeholder 2">
             <a:extLst>
               <a:ext uri="{FF2B5EF4-FFF2-40B4-BE49-F238E27FC236}">
-                <a16:creationId xmlns:a16="http://schemas.microsoft.com/office/drawing/2014/main" id="{E7C2C02B-A495-D446-9F90-749122CA057A}"/>
+                <a16:creationId xmlns:a16="http://schemas.microsoft.com/office/drawing/2014/main" xmlns="" id="{E7C2C02B-A495-D446-9F90-749122CA057A}"/>
               </a:ext>
             </a:extLst>
           </p:cNvPr>
@@ -443,7 +448,7 @@
           <p:cNvPr id="4" name="Date Placeholder 3">
             <a:extLst>
               <a:ext uri="{FF2B5EF4-FFF2-40B4-BE49-F238E27FC236}">
-                <a16:creationId xmlns:a16="http://schemas.microsoft.com/office/drawing/2014/main" id="{548BF81B-FC89-E646-88F6-FAC477C5B04B}"/>
+                <a16:creationId xmlns:a16="http://schemas.microsoft.com/office/drawing/2014/main" xmlns="" id="{548BF81B-FC89-E646-88F6-FAC477C5B04B}"/>
               </a:ext>
             </a:extLst>
           </p:cNvPr>
@@ -461,7 +466,7 @@
           <a:p>
             <a:fld id="{F06738D2-FB1E-664F-93D5-08BE5C5D2D69}" type="datetimeFigureOut">
               <a:rPr lang="da-DK" smtClean="0"/>
-              <a:t>17/05/2018</a:t>
+              <a:t>18/05/2018</a:t>
             </a:fld>
             <a:endParaRPr lang="da-DK"/>
           </a:p>
@@ -472,7 +477,7 @@
           <p:cNvPr id="5" name="Footer Placeholder 4">
             <a:extLst>
               <a:ext uri="{FF2B5EF4-FFF2-40B4-BE49-F238E27FC236}">
-                <a16:creationId xmlns:a16="http://schemas.microsoft.com/office/drawing/2014/main" id="{F0FB3B82-6DA7-384E-8DB3-E765436EDA3E}"/>
+                <a16:creationId xmlns:a16="http://schemas.microsoft.com/office/drawing/2014/main" xmlns="" id="{F0FB3B82-6DA7-384E-8DB3-E765436EDA3E}"/>
               </a:ext>
             </a:extLst>
           </p:cNvPr>
@@ -497,7 +502,7 @@
           <p:cNvPr id="6" name="Slide Number Placeholder 5">
             <a:extLst>
               <a:ext uri="{FF2B5EF4-FFF2-40B4-BE49-F238E27FC236}">
-                <a16:creationId xmlns:a16="http://schemas.microsoft.com/office/drawing/2014/main" id="{0EF856CD-B827-4248-92D0-D31EF09E360F}"/>
+                <a16:creationId xmlns:a16="http://schemas.microsoft.com/office/drawing/2014/main" xmlns="" id="{0EF856CD-B827-4248-92D0-D31EF09E360F}"/>
               </a:ext>
             </a:extLst>
           </p:cNvPr>
@@ -556,7 +561,7 @@
           <p:cNvPr id="2" name="Vertical Title 1">
             <a:extLst>
               <a:ext uri="{FF2B5EF4-FFF2-40B4-BE49-F238E27FC236}">
-                <a16:creationId xmlns:a16="http://schemas.microsoft.com/office/drawing/2014/main" id="{BD0FAC95-D4B4-1E41-829E-567AC3572CA6}"/>
+                <a16:creationId xmlns:a16="http://schemas.microsoft.com/office/drawing/2014/main" xmlns="" id="{BD0FAC95-D4B4-1E41-829E-567AC3572CA6}"/>
               </a:ext>
             </a:extLst>
           </p:cNvPr>
@@ -590,7 +595,7 @@
           <p:cNvPr id="3" name="Vertical Text Placeholder 2">
             <a:extLst>
               <a:ext uri="{FF2B5EF4-FFF2-40B4-BE49-F238E27FC236}">
-                <a16:creationId xmlns:a16="http://schemas.microsoft.com/office/drawing/2014/main" id="{86167275-5215-A543-AE82-1C508708F0CF}"/>
+                <a16:creationId xmlns:a16="http://schemas.microsoft.com/office/drawing/2014/main" xmlns="" id="{86167275-5215-A543-AE82-1C508708F0CF}"/>
               </a:ext>
             </a:extLst>
           </p:cNvPr>
@@ -653,7 +658,7 @@
           <p:cNvPr id="4" name="Date Placeholder 3">
             <a:extLst>
               <a:ext uri="{FF2B5EF4-FFF2-40B4-BE49-F238E27FC236}">
-                <a16:creationId xmlns:a16="http://schemas.microsoft.com/office/drawing/2014/main" id="{54FE5B70-4DAD-C845-B552-AD2381762794}"/>
+                <a16:creationId xmlns:a16="http://schemas.microsoft.com/office/drawing/2014/main" xmlns="" id="{54FE5B70-4DAD-C845-B552-AD2381762794}"/>
               </a:ext>
             </a:extLst>
           </p:cNvPr>
@@ -671,7 +676,7 @@
           <a:p>
             <a:fld id="{F06738D2-FB1E-664F-93D5-08BE5C5D2D69}" type="datetimeFigureOut">
               <a:rPr lang="da-DK" smtClean="0"/>
-              <a:t>17/05/2018</a:t>
+              <a:t>18/05/2018</a:t>
             </a:fld>
             <a:endParaRPr lang="da-DK"/>
           </a:p>
@@ -682,7 +687,7 @@
           <p:cNvPr id="5" name="Footer Placeholder 4">
             <a:extLst>
               <a:ext uri="{FF2B5EF4-FFF2-40B4-BE49-F238E27FC236}">
-                <a16:creationId xmlns:a16="http://schemas.microsoft.com/office/drawing/2014/main" id="{192E04E6-3A8E-E242-A5D3-4AC03521D894}"/>
+                <a16:creationId xmlns:a16="http://schemas.microsoft.com/office/drawing/2014/main" xmlns="" id="{192E04E6-3A8E-E242-A5D3-4AC03521D894}"/>
               </a:ext>
             </a:extLst>
           </p:cNvPr>
@@ -707,7 +712,7 @@
           <p:cNvPr id="6" name="Slide Number Placeholder 5">
             <a:extLst>
               <a:ext uri="{FF2B5EF4-FFF2-40B4-BE49-F238E27FC236}">
-                <a16:creationId xmlns:a16="http://schemas.microsoft.com/office/drawing/2014/main" id="{5AF9EC2F-60F5-5644-861E-4D49C68E8685}"/>
+                <a16:creationId xmlns:a16="http://schemas.microsoft.com/office/drawing/2014/main" xmlns="" id="{5AF9EC2F-60F5-5644-861E-4D49C68E8685}"/>
               </a:ext>
             </a:extLst>
           </p:cNvPr>
@@ -766,7 +771,7 @@
           <p:cNvPr id="2" name="Title 1">
             <a:extLst>
               <a:ext uri="{FF2B5EF4-FFF2-40B4-BE49-F238E27FC236}">
-                <a16:creationId xmlns:a16="http://schemas.microsoft.com/office/drawing/2014/main" id="{63D9B239-D6CD-9142-81BF-2E8A41D0B345}"/>
+                <a16:creationId xmlns:a16="http://schemas.microsoft.com/office/drawing/2014/main" xmlns="" id="{63D9B239-D6CD-9142-81BF-2E8A41D0B345}"/>
               </a:ext>
             </a:extLst>
           </p:cNvPr>
@@ -795,7 +800,7 @@
           <p:cNvPr id="3" name="Content Placeholder 2">
             <a:extLst>
               <a:ext uri="{FF2B5EF4-FFF2-40B4-BE49-F238E27FC236}">
-                <a16:creationId xmlns:a16="http://schemas.microsoft.com/office/drawing/2014/main" id="{7030F0B5-1B5D-544F-B9EA-DC1E194AB202}"/>
+                <a16:creationId xmlns:a16="http://schemas.microsoft.com/office/drawing/2014/main" xmlns="" id="{7030F0B5-1B5D-544F-B9EA-DC1E194AB202}"/>
               </a:ext>
             </a:extLst>
           </p:cNvPr>
@@ -853,7 +858,7 @@
           <p:cNvPr id="4" name="Date Placeholder 3">
             <a:extLst>
               <a:ext uri="{FF2B5EF4-FFF2-40B4-BE49-F238E27FC236}">
-                <a16:creationId xmlns:a16="http://schemas.microsoft.com/office/drawing/2014/main" id="{F3C29522-89F1-4F4E-9AB8-4673CCFD2260}"/>
+                <a16:creationId xmlns:a16="http://schemas.microsoft.com/office/drawing/2014/main" xmlns="" id="{F3C29522-89F1-4F4E-9AB8-4673CCFD2260}"/>
               </a:ext>
             </a:extLst>
           </p:cNvPr>
@@ -871,7 +876,7 @@
           <a:p>
             <a:fld id="{F06738D2-FB1E-664F-93D5-08BE5C5D2D69}" type="datetimeFigureOut">
               <a:rPr lang="da-DK" smtClean="0"/>
-              <a:t>17/05/2018</a:t>
+              <a:t>18/05/2018</a:t>
             </a:fld>
             <a:endParaRPr lang="da-DK"/>
           </a:p>
@@ -882,7 +887,7 @@
           <p:cNvPr id="5" name="Footer Placeholder 4">
             <a:extLst>
               <a:ext uri="{FF2B5EF4-FFF2-40B4-BE49-F238E27FC236}">
-                <a16:creationId xmlns:a16="http://schemas.microsoft.com/office/drawing/2014/main" id="{20498D42-A8E0-4F40-B97F-7039CAE3F8A7}"/>
+                <a16:creationId xmlns:a16="http://schemas.microsoft.com/office/drawing/2014/main" xmlns="" id="{20498D42-A8E0-4F40-B97F-7039CAE3F8A7}"/>
               </a:ext>
             </a:extLst>
           </p:cNvPr>
@@ -907,7 +912,7 @@
           <p:cNvPr id="6" name="Slide Number Placeholder 5">
             <a:extLst>
               <a:ext uri="{FF2B5EF4-FFF2-40B4-BE49-F238E27FC236}">
-                <a16:creationId xmlns:a16="http://schemas.microsoft.com/office/drawing/2014/main" id="{04EC87C0-449E-7F43-B03B-EF8CF174086F}"/>
+                <a16:creationId xmlns:a16="http://schemas.microsoft.com/office/drawing/2014/main" xmlns="" id="{04EC87C0-449E-7F43-B03B-EF8CF174086F}"/>
               </a:ext>
             </a:extLst>
           </p:cNvPr>
@@ -966,7 +971,7 @@
           <p:cNvPr id="2" name="Title 1">
             <a:extLst>
               <a:ext uri="{FF2B5EF4-FFF2-40B4-BE49-F238E27FC236}">
-                <a16:creationId xmlns:a16="http://schemas.microsoft.com/office/drawing/2014/main" id="{B08223E2-E88B-BE42-9A43-AD01D2DE7928}"/>
+                <a16:creationId xmlns:a16="http://schemas.microsoft.com/office/drawing/2014/main" xmlns="" id="{B08223E2-E88B-BE42-9A43-AD01D2DE7928}"/>
               </a:ext>
             </a:extLst>
           </p:cNvPr>
@@ -1004,7 +1009,7 @@
           <p:cNvPr id="3" name="Text Placeholder 2">
             <a:extLst>
               <a:ext uri="{FF2B5EF4-FFF2-40B4-BE49-F238E27FC236}">
-                <a16:creationId xmlns:a16="http://schemas.microsoft.com/office/drawing/2014/main" id="{CB9ACD39-E85C-8D41-B763-800FF4DF2994}"/>
+                <a16:creationId xmlns:a16="http://schemas.microsoft.com/office/drawing/2014/main" xmlns="" id="{CB9ACD39-E85C-8D41-B763-800FF4DF2994}"/>
               </a:ext>
             </a:extLst>
           </p:cNvPr>
@@ -1129,7 +1134,7 @@
           <p:cNvPr id="4" name="Date Placeholder 3">
             <a:extLst>
               <a:ext uri="{FF2B5EF4-FFF2-40B4-BE49-F238E27FC236}">
-                <a16:creationId xmlns:a16="http://schemas.microsoft.com/office/drawing/2014/main" id="{676A7C58-CC9C-224A-8ED6-16B7CE835DC5}"/>
+                <a16:creationId xmlns:a16="http://schemas.microsoft.com/office/drawing/2014/main" xmlns="" id="{676A7C58-CC9C-224A-8ED6-16B7CE835DC5}"/>
               </a:ext>
             </a:extLst>
           </p:cNvPr>
@@ -1147,7 +1152,7 @@
           <a:p>
             <a:fld id="{F06738D2-FB1E-664F-93D5-08BE5C5D2D69}" type="datetimeFigureOut">
               <a:rPr lang="da-DK" smtClean="0"/>
-              <a:t>17/05/2018</a:t>
+              <a:t>18/05/2018</a:t>
             </a:fld>
             <a:endParaRPr lang="da-DK"/>
           </a:p>
@@ -1158,7 +1163,7 @@
           <p:cNvPr id="5" name="Footer Placeholder 4">
             <a:extLst>
               <a:ext uri="{FF2B5EF4-FFF2-40B4-BE49-F238E27FC236}">
-                <a16:creationId xmlns:a16="http://schemas.microsoft.com/office/drawing/2014/main" id="{256A84B5-8B7A-664A-8141-371E3F17B40F}"/>
+                <a16:creationId xmlns:a16="http://schemas.microsoft.com/office/drawing/2014/main" xmlns="" id="{256A84B5-8B7A-664A-8141-371E3F17B40F}"/>
               </a:ext>
             </a:extLst>
           </p:cNvPr>
@@ -1183,7 +1188,7 @@
           <p:cNvPr id="6" name="Slide Number Placeholder 5">
             <a:extLst>
               <a:ext uri="{FF2B5EF4-FFF2-40B4-BE49-F238E27FC236}">
-                <a16:creationId xmlns:a16="http://schemas.microsoft.com/office/drawing/2014/main" id="{B49DC1E4-7BAB-FD42-BFDA-450DC0D6E3C0}"/>
+                <a16:creationId xmlns:a16="http://schemas.microsoft.com/office/drawing/2014/main" xmlns="" id="{B49DC1E4-7BAB-FD42-BFDA-450DC0D6E3C0}"/>
               </a:ext>
             </a:extLst>
           </p:cNvPr>
@@ -1242,7 +1247,7 @@
           <p:cNvPr id="2" name="Title 1">
             <a:extLst>
               <a:ext uri="{FF2B5EF4-FFF2-40B4-BE49-F238E27FC236}">
-                <a16:creationId xmlns:a16="http://schemas.microsoft.com/office/drawing/2014/main" id="{EB482F15-AD3A-DA48-8BB9-E632C1698F6C}"/>
+                <a16:creationId xmlns:a16="http://schemas.microsoft.com/office/drawing/2014/main" xmlns="" id="{EB482F15-AD3A-DA48-8BB9-E632C1698F6C}"/>
               </a:ext>
             </a:extLst>
           </p:cNvPr>
@@ -1271,7 +1276,7 @@
           <p:cNvPr id="3" name="Content Placeholder 2">
             <a:extLst>
               <a:ext uri="{FF2B5EF4-FFF2-40B4-BE49-F238E27FC236}">
-                <a16:creationId xmlns:a16="http://schemas.microsoft.com/office/drawing/2014/main" id="{91EFE12E-4F77-8544-8D73-741F7FCE4AE3}"/>
+                <a16:creationId xmlns:a16="http://schemas.microsoft.com/office/drawing/2014/main" xmlns="" id="{91EFE12E-4F77-8544-8D73-741F7FCE4AE3}"/>
               </a:ext>
             </a:extLst>
           </p:cNvPr>
@@ -1334,7 +1339,7 @@
           <p:cNvPr id="4" name="Content Placeholder 3">
             <a:extLst>
               <a:ext uri="{FF2B5EF4-FFF2-40B4-BE49-F238E27FC236}">
-                <a16:creationId xmlns:a16="http://schemas.microsoft.com/office/drawing/2014/main" id="{BF727845-E151-6E4B-A62F-D4957897FE8A}"/>
+                <a16:creationId xmlns:a16="http://schemas.microsoft.com/office/drawing/2014/main" xmlns="" id="{BF727845-E151-6E4B-A62F-D4957897FE8A}"/>
               </a:ext>
             </a:extLst>
           </p:cNvPr>
@@ -1397,7 +1402,7 @@
           <p:cNvPr id="5" name="Date Placeholder 4">
             <a:extLst>
               <a:ext uri="{FF2B5EF4-FFF2-40B4-BE49-F238E27FC236}">
-                <a16:creationId xmlns:a16="http://schemas.microsoft.com/office/drawing/2014/main" id="{26AB5EB4-9059-154E-BF57-9DCFD16C8AFA}"/>
+                <a16:creationId xmlns:a16="http://schemas.microsoft.com/office/drawing/2014/main" xmlns="" id="{26AB5EB4-9059-154E-BF57-9DCFD16C8AFA}"/>
               </a:ext>
             </a:extLst>
           </p:cNvPr>
@@ -1415,7 +1420,7 @@
           <a:p>
             <a:fld id="{F06738D2-FB1E-664F-93D5-08BE5C5D2D69}" type="datetimeFigureOut">
               <a:rPr lang="da-DK" smtClean="0"/>
-              <a:t>17/05/2018</a:t>
+              <a:t>18/05/2018</a:t>
             </a:fld>
             <a:endParaRPr lang="da-DK"/>
           </a:p>
@@ -1426,7 +1431,7 @@
           <p:cNvPr id="6" name="Footer Placeholder 5">
             <a:extLst>
               <a:ext uri="{FF2B5EF4-FFF2-40B4-BE49-F238E27FC236}">
-                <a16:creationId xmlns:a16="http://schemas.microsoft.com/office/drawing/2014/main" id="{838BD1D1-C924-044C-BD84-6D5058FDFEF0}"/>
+                <a16:creationId xmlns:a16="http://schemas.microsoft.com/office/drawing/2014/main" xmlns="" id="{838BD1D1-C924-044C-BD84-6D5058FDFEF0}"/>
               </a:ext>
             </a:extLst>
           </p:cNvPr>
@@ -1451,7 +1456,7 @@
           <p:cNvPr id="7" name="Slide Number Placeholder 6">
             <a:extLst>
               <a:ext uri="{FF2B5EF4-FFF2-40B4-BE49-F238E27FC236}">
-                <a16:creationId xmlns:a16="http://schemas.microsoft.com/office/drawing/2014/main" id="{A2CEA45D-CD3D-A048-A5B0-8FA898785230}"/>
+                <a16:creationId xmlns:a16="http://schemas.microsoft.com/office/drawing/2014/main" xmlns="" id="{A2CEA45D-CD3D-A048-A5B0-8FA898785230}"/>
               </a:ext>
             </a:extLst>
           </p:cNvPr>
@@ -1510,7 +1515,7 @@
           <p:cNvPr id="2" name="Title 1">
             <a:extLst>
               <a:ext uri="{FF2B5EF4-FFF2-40B4-BE49-F238E27FC236}">
-                <a16:creationId xmlns:a16="http://schemas.microsoft.com/office/drawing/2014/main" id="{DBC0E51E-3E45-F94A-8254-938C17012837}"/>
+                <a16:creationId xmlns:a16="http://schemas.microsoft.com/office/drawing/2014/main" xmlns="" id="{DBC0E51E-3E45-F94A-8254-938C17012837}"/>
               </a:ext>
             </a:extLst>
           </p:cNvPr>
@@ -1544,7 +1549,7 @@
           <p:cNvPr id="3" name="Text Placeholder 2">
             <a:extLst>
               <a:ext uri="{FF2B5EF4-FFF2-40B4-BE49-F238E27FC236}">
-                <a16:creationId xmlns:a16="http://schemas.microsoft.com/office/drawing/2014/main" id="{648B79D7-BE5B-E643-9A7A-CB6BEF4BF79D}"/>
+                <a16:creationId xmlns:a16="http://schemas.microsoft.com/office/drawing/2014/main" xmlns="" id="{648B79D7-BE5B-E643-9A7A-CB6BEF4BF79D}"/>
               </a:ext>
             </a:extLst>
           </p:cNvPr>
@@ -1615,7 +1620,7 @@
           <p:cNvPr id="4" name="Content Placeholder 3">
             <a:extLst>
               <a:ext uri="{FF2B5EF4-FFF2-40B4-BE49-F238E27FC236}">
-                <a16:creationId xmlns:a16="http://schemas.microsoft.com/office/drawing/2014/main" id="{ECE34598-1B92-4A4B-813B-1010F4F0F0E2}"/>
+                <a16:creationId xmlns:a16="http://schemas.microsoft.com/office/drawing/2014/main" xmlns="" id="{ECE34598-1B92-4A4B-813B-1010F4F0F0E2}"/>
               </a:ext>
             </a:extLst>
           </p:cNvPr>
@@ -1678,7 +1683,7 @@
           <p:cNvPr id="5" name="Text Placeholder 4">
             <a:extLst>
               <a:ext uri="{FF2B5EF4-FFF2-40B4-BE49-F238E27FC236}">
-                <a16:creationId xmlns:a16="http://schemas.microsoft.com/office/drawing/2014/main" id="{3E8FDD36-E5C5-F543-A737-1435EAFE1272}"/>
+                <a16:creationId xmlns:a16="http://schemas.microsoft.com/office/drawing/2014/main" xmlns="" id="{3E8FDD36-E5C5-F543-A737-1435EAFE1272}"/>
               </a:ext>
             </a:extLst>
           </p:cNvPr>
@@ -1749,7 +1754,7 @@
           <p:cNvPr id="6" name="Content Placeholder 5">
             <a:extLst>
               <a:ext uri="{FF2B5EF4-FFF2-40B4-BE49-F238E27FC236}">
-                <a16:creationId xmlns:a16="http://schemas.microsoft.com/office/drawing/2014/main" id="{B42BA9A9-EA1F-1046-A7F6-A75970AFA3D5}"/>
+                <a16:creationId xmlns:a16="http://schemas.microsoft.com/office/drawing/2014/main" xmlns="" id="{B42BA9A9-EA1F-1046-A7F6-A75970AFA3D5}"/>
               </a:ext>
             </a:extLst>
           </p:cNvPr>
@@ -1812,7 +1817,7 @@
           <p:cNvPr id="7" name="Date Placeholder 6">
             <a:extLst>
               <a:ext uri="{FF2B5EF4-FFF2-40B4-BE49-F238E27FC236}">
-                <a16:creationId xmlns:a16="http://schemas.microsoft.com/office/drawing/2014/main" id="{C38C7ACF-4A1E-C64B-B742-EC58C55B4CF4}"/>
+                <a16:creationId xmlns:a16="http://schemas.microsoft.com/office/drawing/2014/main" xmlns="" id="{C38C7ACF-4A1E-C64B-B742-EC58C55B4CF4}"/>
               </a:ext>
             </a:extLst>
           </p:cNvPr>
@@ -1830,7 +1835,7 @@
           <a:p>
             <a:fld id="{F06738D2-FB1E-664F-93D5-08BE5C5D2D69}" type="datetimeFigureOut">
               <a:rPr lang="da-DK" smtClean="0"/>
-              <a:t>17/05/2018</a:t>
+              <a:t>18/05/2018</a:t>
             </a:fld>
             <a:endParaRPr lang="da-DK"/>
           </a:p>
@@ -1841,7 +1846,7 @@
           <p:cNvPr id="8" name="Footer Placeholder 7">
             <a:extLst>
               <a:ext uri="{FF2B5EF4-FFF2-40B4-BE49-F238E27FC236}">
-                <a16:creationId xmlns:a16="http://schemas.microsoft.com/office/drawing/2014/main" id="{73FB0302-8B3E-CB4E-9B29-A7C43CED9A7C}"/>
+                <a16:creationId xmlns:a16="http://schemas.microsoft.com/office/drawing/2014/main" xmlns="" id="{73FB0302-8B3E-CB4E-9B29-A7C43CED9A7C}"/>
               </a:ext>
             </a:extLst>
           </p:cNvPr>
@@ -1866,7 +1871,7 @@
           <p:cNvPr id="9" name="Slide Number Placeholder 8">
             <a:extLst>
               <a:ext uri="{FF2B5EF4-FFF2-40B4-BE49-F238E27FC236}">
-                <a16:creationId xmlns:a16="http://schemas.microsoft.com/office/drawing/2014/main" id="{FEB42FFB-4917-CC4F-A62B-9DF74FF835B7}"/>
+                <a16:creationId xmlns:a16="http://schemas.microsoft.com/office/drawing/2014/main" xmlns="" id="{FEB42FFB-4917-CC4F-A62B-9DF74FF835B7}"/>
               </a:ext>
             </a:extLst>
           </p:cNvPr>
@@ -1925,7 +1930,7 @@
           <p:cNvPr id="2" name="Title 1">
             <a:extLst>
               <a:ext uri="{FF2B5EF4-FFF2-40B4-BE49-F238E27FC236}">
-                <a16:creationId xmlns:a16="http://schemas.microsoft.com/office/drawing/2014/main" id="{B5D31A04-956B-C84F-9E5A-F234816DF823}"/>
+                <a16:creationId xmlns:a16="http://schemas.microsoft.com/office/drawing/2014/main" xmlns="" id="{B5D31A04-956B-C84F-9E5A-F234816DF823}"/>
               </a:ext>
             </a:extLst>
           </p:cNvPr>
@@ -1954,7 +1959,7 @@
           <p:cNvPr id="3" name="Date Placeholder 2">
             <a:extLst>
               <a:ext uri="{FF2B5EF4-FFF2-40B4-BE49-F238E27FC236}">
-                <a16:creationId xmlns:a16="http://schemas.microsoft.com/office/drawing/2014/main" id="{2A1A5D70-FE92-0541-8D17-4D91C3943357}"/>
+                <a16:creationId xmlns:a16="http://schemas.microsoft.com/office/drawing/2014/main" xmlns="" id="{2A1A5D70-FE92-0541-8D17-4D91C3943357}"/>
               </a:ext>
             </a:extLst>
           </p:cNvPr>
@@ -1972,7 +1977,7 @@
           <a:p>
             <a:fld id="{F06738D2-FB1E-664F-93D5-08BE5C5D2D69}" type="datetimeFigureOut">
               <a:rPr lang="da-DK" smtClean="0"/>
-              <a:t>17/05/2018</a:t>
+              <a:t>18/05/2018</a:t>
             </a:fld>
             <a:endParaRPr lang="da-DK"/>
           </a:p>
@@ -1983,7 +1988,7 @@
           <p:cNvPr id="4" name="Footer Placeholder 3">
             <a:extLst>
               <a:ext uri="{FF2B5EF4-FFF2-40B4-BE49-F238E27FC236}">
-                <a16:creationId xmlns:a16="http://schemas.microsoft.com/office/drawing/2014/main" id="{CAD09413-CA7B-2648-8A88-205030E0A64B}"/>
+                <a16:creationId xmlns:a16="http://schemas.microsoft.com/office/drawing/2014/main" xmlns="" id="{CAD09413-CA7B-2648-8A88-205030E0A64B}"/>
               </a:ext>
             </a:extLst>
           </p:cNvPr>
@@ -2008,7 +2013,7 @@
           <p:cNvPr id="5" name="Slide Number Placeholder 4">
             <a:extLst>
               <a:ext uri="{FF2B5EF4-FFF2-40B4-BE49-F238E27FC236}">
-                <a16:creationId xmlns:a16="http://schemas.microsoft.com/office/drawing/2014/main" id="{DFD27673-0781-2A45-B63C-D95878757F90}"/>
+                <a16:creationId xmlns:a16="http://schemas.microsoft.com/office/drawing/2014/main" xmlns="" id="{DFD27673-0781-2A45-B63C-D95878757F90}"/>
               </a:ext>
             </a:extLst>
           </p:cNvPr>
@@ -2067,7 +2072,7 @@
           <p:cNvPr id="2" name="Date Placeholder 1">
             <a:extLst>
               <a:ext uri="{FF2B5EF4-FFF2-40B4-BE49-F238E27FC236}">
-                <a16:creationId xmlns:a16="http://schemas.microsoft.com/office/drawing/2014/main" id="{27EBDEB7-7155-C745-A3F4-CE3FCE7375BE}"/>
+                <a16:creationId xmlns:a16="http://schemas.microsoft.com/office/drawing/2014/main" xmlns="" id="{27EBDEB7-7155-C745-A3F4-CE3FCE7375BE}"/>
               </a:ext>
             </a:extLst>
           </p:cNvPr>
@@ -2085,7 +2090,7 @@
           <a:p>
             <a:fld id="{F06738D2-FB1E-664F-93D5-08BE5C5D2D69}" type="datetimeFigureOut">
               <a:rPr lang="da-DK" smtClean="0"/>
-              <a:t>17/05/2018</a:t>
+              <a:t>18/05/2018</a:t>
             </a:fld>
             <a:endParaRPr lang="da-DK"/>
           </a:p>
@@ -2096,7 +2101,7 @@
           <p:cNvPr id="3" name="Footer Placeholder 2">
             <a:extLst>
               <a:ext uri="{FF2B5EF4-FFF2-40B4-BE49-F238E27FC236}">
-                <a16:creationId xmlns:a16="http://schemas.microsoft.com/office/drawing/2014/main" id="{B58E8595-149A-514E-9921-B01B67A0552D}"/>
+                <a16:creationId xmlns:a16="http://schemas.microsoft.com/office/drawing/2014/main" xmlns="" id="{B58E8595-149A-514E-9921-B01B67A0552D}"/>
               </a:ext>
             </a:extLst>
           </p:cNvPr>
@@ -2121,7 +2126,7 @@
           <p:cNvPr id="4" name="Slide Number Placeholder 3">
             <a:extLst>
               <a:ext uri="{FF2B5EF4-FFF2-40B4-BE49-F238E27FC236}">
-                <a16:creationId xmlns:a16="http://schemas.microsoft.com/office/drawing/2014/main" id="{37386F87-44DA-2C49-A85F-6EFA507CDFE8}"/>
+                <a16:creationId xmlns:a16="http://schemas.microsoft.com/office/drawing/2014/main" xmlns="" id="{37386F87-44DA-2C49-A85F-6EFA507CDFE8}"/>
               </a:ext>
             </a:extLst>
           </p:cNvPr>
@@ -2180,7 +2185,7 @@
           <p:cNvPr id="2" name="Title 1">
             <a:extLst>
               <a:ext uri="{FF2B5EF4-FFF2-40B4-BE49-F238E27FC236}">
-                <a16:creationId xmlns:a16="http://schemas.microsoft.com/office/drawing/2014/main" id="{E81819F7-A09E-E547-9374-B01C97F9C065}"/>
+                <a16:creationId xmlns:a16="http://schemas.microsoft.com/office/drawing/2014/main" xmlns="" id="{E81819F7-A09E-E547-9374-B01C97F9C065}"/>
               </a:ext>
             </a:extLst>
           </p:cNvPr>
@@ -2218,7 +2223,7 @@
           <p:cNvPr id="3" name="Content Placeholder 2">
             <a:extLst>
               <a:ext uri="{FF2B5EF4-FFF2-40B4-BE49-F238E27FC236}">
-                <a16:creationId xmlns:a16="http://schemas.microsoft.com/office/drawing/2014/main" id="{B47DC106-2E90-1C46-A926-79BD432484C1}"/>
+                <a16:creationId xmlns:a16="http://schemas.microsoft.com/office/drawing/2014/main" xmlns="" id="{B47DC106-2E90-1C46-A926-79BD432484C1}"/>
               </a:ext>
             </a:extLst>
           </p:cNvPr>
@@ -2309,7 +2314,7 @@
           <p:cNvPr id="4" name="Text Placeholder 3">
             <a:extLst>
               <a:ext uri="{FF2B5EF4-FFF2-40B4-BE49-F238E27FC236}">
-                <a16:creationId xmlns:a16="http://schemas.microsoft.com/office/drawing/2014/main" id="{2F57DB21-3893-4E4D-8AE9-CB64FDE61BE6}"/>
+                <a16:creationId xmlns:a16="http://schemas.microsoft.com/office/drawing/2014/main" xmlns="" id="{2F57DB21-3893-4E4D-8AE9-CB64FDE61BE6}"/>
               </a:ext>
             </a:extLst>
           </p:cNvPr>
@@ -2380,7 +2385,7 @@
           <p:cNvPr id="5" name="Date Placeholder 4">
             <a:extLst>
               <a:ext uri="{FF2B5EF4-FFF2-40B4-BE49-F238E27FC236}">
-                <a16:creationId xmlns:a16="http://schemas.microsoft.com/office/drawing/2014/main" id="{404BD33F-4A09-284E-A773-251DF62BE968}"/>
+                <a16:creationId xmlns:a16="http://schemas.microsoft.com/office/drawing/2014/main" xmlns="" id="{404BD33F-4A09-284E-A773-251DF62BE968}"/>
               </a:ext>
             </a:extLst>
           </p:cNvPr>
@@ -2398,7 +2403,7 @@
           <a:p>
             <a:fld id="{F06738D2-FB1E-664F-93D5-08BE5C5D2D69}" type="datetimeFigureOut">
               <a:rPr lang="da-DK" smtClean="0"/>
-              <a:t>17/05/2018</a:t>
+              <a:t>18/05/2018</a:t>
             </a:fld>
             <a:endParaRPr lang="da-DK"/>
           </a:p>
@@ -2409,7 +2414,7 @@
           <p:cNvPr id="6" name="Footer Placeholder 5">
             <a:extLst>
               <a:ext uri="{FF2B5EF4-FFF2-40B4-BE49-F238E27FC236}">
-                <a16:creationId xmlns:a16="http://schemas.microsoft.com/office/drawing/2014/main" id="{37FE38C7-892A-A64A-8BDA-C7104CB8532B}"/>
+                <a16:creationId xmlns:a16="http://schemas.microsoft.com/office/drawing/2014/main" xmlns="" id="{37FE38C7-892A-A64A-8BDA-C7104CB8532B}"/>
               </a:ext>
             </a:extLst>
           </p:cNvPr>
@@ -2434,7 +2439,7 @@
           <p:cNvPr id="7" name="Slide Number Placeholder 6">
             <a:extLst>
               <a:ext uri="{FF2B5EF4-FFF2-40B4-BE49-F238E27FC236}">
-                <a16:creationId xmlns:a16="http://schemas.microsoft.com/office/drawing/2014/main" id="{F16D0E08-1DCC-A249-80D1-AF8F894A19C7}"/>
+                <a16:creationId xmlns:a16="http://schemas.microsoft.com/office/drawing/2014/main" xmlns="" id="{F16D0E08-1DCC-A249-80D1-AF8F894A19C7}"/>
               </a:ext>
             </a:extLst>
           </p:cNvPr>
@@ -2493,7 +2498,7 @@
           <p:cNvPr id="2" name="Title 1">
             <a:extLst>
               <a:ext uri="{FF2B5EF4-FFF2-40B4-BE49-F238E27FC236}">
-                <a16:creationId xmlns:a16="http://schemas.microsoft.com/office/drawing/2014/main" id="{0968203F-AAB9-5940-AA59-71552B0ECFEA}"/>
+                <a16:creationId xmlns:a16="http://schemas.microsoft.com/office/drawing/2014/main" xmlns="" id="{0968203F-AAB9-5940-AA59-71552B0ECFEA}"/>
               </a:ext>
             </a:extLst>
           </p:cNvPr>
@@ -2531,7 +2536,7 @@
           <p:cNvPr id="3" name="Picture Placeholder 2">
             <a:extLst>
               <a:ext uri="{FF2B5EF4-FFF2-40B4-BE49-F238E27FC236}">
-                <a16:creationId xmlns:a16="http://schemas.microsoft.com/office/drawing/2014/main" id="{9251A007-FD0C-DD4F-B434-894F13861583}"/>
+                <a16:creationId xmlns:a16="http://schemas.microsoft.com/office/drawing/2014/main" xmlns="" id="{9251A007-FD0C-DD4F-B434-894F13861583}"/>
               </a:ext>
             </a:extLst>
           </p:cNvPr>
@@ -2598,7 +2603,7 @@
           <p:cNvPr id="4" name="Text Placeholder 3">
             <a:extLst>
               <a:ext uri="{FF2B5EF4-FFF2-40B4-BE49-F238E27FC236}">
-                <a16:creationId xmlns:a16="http://schemas.microsoft.com/office/drawing/2014/main" id="{B48F2EBF-C87D-3E4C-9527-F690D6EDADEB}"/>
+                <a16:creationId xmlns:a16="http://schemas.microsoft.com/office/drawing/2014/main" xmlns="" id="{B48F2EBF-C87D-3E4C-9527-F690D6EDADEB}"/>
               </a:ext>
             </a:extLst>
           </p:cNvPr>
@@ -2669,7 +2674,7 @@
           <p:cNvPr id="5" name="Date Placeholder 4">
             <a:extLst>
               <a:ext uri="{FF2B5EF4-FFF2-40B4-BE49-F238E27FC236}">
-                <a16:creationId xmlns:a16="http://schemas.microsoft.com/office/drawing/2014/main" id="{BD4D112A-850C-AD4A-89E2-468D25A82926}"/>
+                <a16:creationId xmlns:a16="http://schemas.microsoft.com/office/drawing/2014/main" xmlns="" id="{BD4D112A-850C-AD4A-89E2-468D25A82926}"/>
               </a:ext>
             </a:extLst>
           </p:cNvPr>
@@ -2687,7 +2692,7 @@
           <a:p>
             <a:fld id="{F06738D2-FB1E-664F-93D5-08BE5C5D2D69}" type="datetimeFigureOut">
               <a:rPr lang="da-DK" smtClean="0"/>
-              <a:t>17/05/2018</a:t>
+              <a:t>18/05/2018</a:t>
             </a:fld>
             <a:endParaRPr lang="da-DK"/>
           </a:p>
@@ -2698,7 +2703,7 @@
           <p:cNvPr id="6" name="Footer Placeholder 5">
             <a:extLst>
               <a:ext uri="{FF2B5EF4-FFF2-40B4-BE49-F238E27FC236}">
-                <a16:creationId xmlns:a16="http://schemas.microsoft.com/office/drawing/2014/main" id="{2CD4CE03-0F08-2E4F-BD5B-C39767E8732A}"/>
+                <a16:creationId xmlns:a16="http://schemas.microsoft.com/office/drawing/2014/main" xmlns="" id="{2CD4CE03-0F08-2E4F-BD5B-C39767E8732A}"/>
               </a:ext>
             </a:extLst>
           </p:cNvPr>
@@ -2723,7 +2728,7 @@
           <p:cNvPr id="7" name="Slide Number Placeholder 6">
             <a:extLst>
               <a:ext uri="{FF2B5EF4-FFF2-40B4-BE49-F238E27FC236}">
-                <a16:creationId xmlns:a16="http://schemas.microsoft.com/office/drawing/2014/main" id="{D081F094-BDAC-7748-B469-E42FA10CD585}"/>
+                <a16:creationId xmlns:a16="http://schemas.microsoft.com/office/drawing/2014/main" xmlns="" id="{D081F094-BDAC-7748-B469-E42FA10CD585}"/>
               </a:ext>
             </a:extLst>
           </p:cNvPr>
@@ -2787,7 +2792,7 @@
           <p:cNvPr id="2" name="Title Placeholder 1">
             <a:extLst>
               <a:ext uri="{FF2B5EF4-FFF2-40B4-BE49-F238E27FC236}">
-                <a16:creationId xmlns:a16="http://schemas.microsoft.com/office/drawing/2014/main" id="{A70E8259-B450-F940-A63E-AC1AABCD1175}"/>
+                <a16:creationId xmlns:a16="http://schemas.microsoft.com/office/drawing/2014/main" xmlns="" id="{A70E8259-B450-F940-A63E-AC1AABCD1175}"/>
               </a:ext>
             </a:extLst>
           </p:cNvPr>
@@ -2826,7 +2831,7 @@
           <p:cNvPr id="3" name="Text Placeholder 2">
             <a:extLst>
               <a:ext uri="{FF2B5EF4-FFF2-40B4-BE49-F238E27FC236}">
-                <a16:creationId xmlns:a16="http://schemas.microsoft.com/office/drawing/2014/main" id="{B0CCA58C-AE43-BD4B-91CB-93A65DAC63C6}"/>
+                <a16:creationId xmlns:a16="http://schemas.microsoft.com/office/drawing/2014/main" xmlns="" id="{B0CCA58C-AE43-BD4B-91CB-93A65DAC63C6}"/>
               </a:ext>
             </a:extLst>
           </p:cNvPr>
@@ -2894,7 +2899,7 @@
           <p:cNvPr id="4" name="Date Placeholder 3">
             <a:extLst>
               <a:ext uri="{FF2B5EF4-FFF2-40B4-BE49-F238E27FC236}">
-                <a16:creationId xmlns:a16="http://schemas.microsoft.com/office/drawing/2014/main" id="{4B76D034-8DF1-844B-983F-CB8CF3703790}"/>
+                <a16:creationId xmlns:a16="http://schemas.microsoft.com/office/drawing/2014/main" xmlns="" id="{4B76D034-8DF1-844B-983F-CB8CF3703790}"/>
               </a:ext>
             </a:extLst>
           </p:cNvPr>
@@ -2930,7 +2935,7 @@
           <a:p>
             <a:fld id="{F06738D2-FB1E-664F-93D5-08BE5C5D2D69}" type="datetimeFigureOut">
               <a:rPr lang="da-DK" smtClean="0"/>
-              <a:t>17/05/2018</a:t>
+              <a:t>18/05/2018</a:t>
             </a:fld>
             <a:endParaRPr lang="da-DK"/>
           </a:p>
@@ -2941,7 +2946,7 @@
           <p:cNvPr id="5" name="Footer Placeholder 4">
             <a:extLst>
               <a:ext uri="{FF2B5EF4-FFF2-40B4-BE49-F238E27FC236}">
-                <a16:creationId xmlns:a16="http://schemas.microsoft.com/office/drawing/2014/main" id="{B093DF80-EBC5-1540-A846-F75115CB2151}"/>
+                <a16:creationId xmlns:a16="http://schemas.microsoft.com/office/drawing/2014/main" xmlns="" id="{B093DF80-EBC5-1540-A846-F75115CB2151}"/>
               </a:ext>
             </a:extLst>
           </p:cNvPr>
@@ -2984,7 +2989,7 @@
           <p:cNvPr id="6" name="Slide Number Placeholder 5">
             <a:extLst>
               <a:ext uri="{FF2B5EF4-FFF2-40B4-BE49-F238E27FC236}">
-                <a16:creationId xmlns:a16="http://schemas.microsoft.com/office/drawing/2014/main" id="{F1D9750D-91B7-3F46-AB62-C029CBEE554A}"/>
+                <a16:creationId xmlns:a16="http://schemas.microsoft.com/office/drawing/2014/main" xmlns="" id="{F1D9750D-91B7-3F46-AB62-C029CBEE554A}"/>
               </a:ext>
             </a:extLst>
           </p:cNvPr>
@@ -3349,10 +3354,10 @@
       </p:grpSpPr>
       <p:pic>
         <p:nvPicPr>
-          <p:cNvPr id="5" name="Picture 4">
-            <a:extLst>
-              <a:ext uri="{FF2B5EF4-FFF2-40B4-BE49-F238E27FC236}">
-                <a16:creationId xmlns:a16="http://schemas.microsoft.com/office/drawing/2014/main" id="{6F73AF9E-651B-6C4A-8BBD-E35648C2257E}"/>
+          <p:cNvPr id="7" name="Picture 6">
+            <a:extLst>
+              <a:ext uri="{FF2B5EF4-FFF2-40B4-BE49-F238E27FC236}">
+                <a16:creationId xmlns:a16="http://schemas.microsoft.com/office/drawing/2014/main" xmlns="" id="{C722260C-BF81-E547-95BE-7ED73D0F94CC}"/>
               </a:ext>
             </a:extLst>
           </p:cNvPr>
@@ -3369,8 +3374,8 @@
         </p:blipFill>
         <p:spPr>
           <a:xfrm>
-            <a:off x="909931" y="1032387"/>
-            <a:ext cx="6355214" cy="5825613"/>
+            <a:off x="7265145" y="1032387"/>
+            <a:ext cx="4236809" cy="5825613"/>
           </a:xfrm>
           <a:prstGeom prst="rect">
             <a:avLst/>
@@ -3379,28 +3384,28 @@
       </p:pic>
       <p:pic>
         <p:nvPicPr>
-          <p:cNvPr id="7" name="Picture 6">
-            <a:extLst>
-              <a:ext uri="{FF2B5EF4-FFF2-40B4-BE49-F238E27FC236}">
-                <a16:creationId xmlns:a16="http://schemas.microsoft.com/office/drawing/2014/main" id="{C722260C-BF81-E547-95BE-7ED73D0F94CC}"/>
-              </a:ext>
-            </a:extLst>
-          </p:cNvPr>
+          <p:cNvPr id="2" name="Picture 1"/>
           <p:cNvPicPr>
             <a:picLocks noChangeAspect="1"/>
           </p:cNvPicPr>
           <p:nvPr/>
         </p:nvPicPr>
         <p:blipFill>
-          <a:blip r:embed="rId3"/>
+          <a:blip r:embed="rId3">
+            <a:extLst>
+              <a:ext uri="{28A0092B-C50C-407E-A947-70E740481C1C}">
+                <a14:useLocalDpi xmlns:a14="http://schemas.microsoft.com/office/drawing/2010/main" val="0"/>
+              </a:ext>
+            </a:extLst>
+          </a:blip>
           <a:stretch>
             <a:fillRect/>
           </a:stretch>
         </p:blipFill>
         <p:spPr>
           <a:xfrm>
-            <a:off x="7265145" y="1032387"/>
-            <a:ext cx="4236809" cy="5825613"/>
+            <a:off x="909930" y="1032386"/>
+            <a:ext cx="6355215" cy="5825613"/>
           </a:xfrm>
           <a:prstGeom prst="rect">
             <a:avLst/>
@@ -3442,7 +3447,7 @@
           <p:cNvPr id="3" name="Picture 2">
             <a:extLst>
               <a:ext uri="{FF2B5EF4-FFF2-40B4-BE49-F238E27FC236}">
-                <a16:creationId xmlns:a16="http://schemas.microsoft.com/office/drawing/2014/main" id="{065C1631-FF4D-364B-99B2-A287EBB5D8C2}"/>
+                <a16:creationId xmlns:a16="http://schemas.microsoft.com/office/drawing/2014/main" xmlns="" id="{065C1631-FF4D-364B-99B2-A287EBB5D8C2}"/>
               </a:ext>
             </a:extLst>
           </p:cNvPr>
@@ -3469,28 +3474,28 @@
       </p:pic>
       <p:pic>
         <p:nvPicPr>
-          <p:cNvPr id="6" name="Picture 5">
-            <a:extLst>
-              <a:ext uri="{FF2B5EF4-FFF2-40B4-BE49-F238E27FC236}">
-                <a16:creationId xmlns:a16="http://schemas.microsoft.com/office/drawing/2014/main" id="{2CC11F7C-D1A7-C34E-8B4F-3C68C4E988D5}"/>
-              </a:ext>
-            </a:extLst>
-          </p:cNvPr>
+          <p:cNvPr id="2" name="Picture 1"/>
           <p:cNvPicPr>
             <a:picLocks noChangeAspect="1"/>
           </p:cNvPicPr>
           <p:nvPr/>
         </p:nvPicPr>
         <p:blipFill>
-          <a:blip r:embed="rId3"/>
+          <a:blip r:embed="rId3">
+            <a:extLst>
+              <a:ext uri="{28A0092B-C50C-407E-A947-70E740481C1C}">
+                <a14:useLocalDpi xmlns:a14="http://schemas.microsoft.com/office/drawing/2010/main" val="0"/>
+              </a:ext>
+            </a:extLst>
+          </a:blip>
           <a:stretch>
             <a:fillRect/>
           </a:stretch>
         </p:blipFill>
         <p:spPr>
           <a:xfrm>
-            <a:off x="904120" y="1032387"/>
-            <a:ext cx="6361025" cy="5830939"/>
+            <a:off x="909930" y="1032387"/>
+            <a:ext cx="6355215" cy="5825613"/>
           </a:xfrm>
           <a:prstGeom prst="rect">
             <a:avLst/>
@@ -3532,7 +3537,7 @@
           <p:cNvPr id="3" name="Picture 2">
             <a:extLst>
               <a:ext uri="{FF2B5EF4-FFF2-40B4-BE49-F238E27FC236}">
-                <a16:creationId xmlns:a16="http://schemas.microsoft.com/office/drawing/2014/main" id="{57056596-5D2E-DC4C-9F62-893E77F1AE66}"/>
+                <a16:creationId xmlns:a16="http://schemas.microsoft.com/office/drawing/2014/main" xmlns="" id="{57056596-5D2E-DC4C-9F62-893E77F1AE66}"/>
               </a:ext>
             </a:extLst>
           </p:cNvPr>
@@ -3559,28 +3564,28 @@
       </p:pic>
       <p:pic>
         <p:nvPicPr>
-          <p:cNvPr id="6" name="Picture 5">
-            <a:extLst>
-              <a:ext uri="{FF2B5EF4-FFF2-40B4-BE49-F238E27FC236}">
-                <a16:creationId xmlns:a16="http://schemas.microsoft.com/office/drawing/2014/main" id="{B86B970D-B8D4-C642-B994-6B3805A1A677}"/>
-              </a:ext>
-            </a:extLst>
-          </p:cNvPr>
+          <p:cNvPr id="2" name="Picture 1"/>
           <p:cNvPicPr>
             <a:picLocks noChangeAspect="1"/>
           </p:cNvPicPr>
           <p:nvPr/>
         </p:nvPicPr>
         <p:blipFill>
-          <a:blip r:embed="rId3"/>
+          <a:blip r:embed="rId3">
+            <a:extLst>
+              <a:ext uri="{28A0092B-C50C-407E-A947-70E740481C1C}">
+                <a14:useLocalDpi xmlns:a14="http://schemas.microsoft.com/office/drawing/2010/main" val="0"/>
+              </a:ext>
+            </a:extLst>
+          </a:blip>
           <a:stretch>
             <a:fillRect/>
           </a:stretch>
         </p:blipFill>
         <p:spPr>
           <a:xfrm>
-            <a:off x="904120" y="1027061"/>
-            <a:ext cx="6361025" cy="5830939"/>
+            <a:off x="909930" y="1032386"/>
+            <a:ext cx="6355215" cy="5825613"/>
           </a:xfrm>
           <a:prstGeom prst="rect">
             <a:avLst/>
@@ -3622,7 +3627,7 @@
           <p:cNvPr id="3" name="Picture 2">
             <a:extLst>
               <a:ext uri="{FF2B5EF4-FFF2-40B4-BE49-F238E27FC236}">
-                <a16:creationId xmlns:a16="http://schemas.microsoft.com/office/drawing/2014/main" id="{7A51101A-58E2-5D47-9C72-84732412FF89}"/>
+                <a16:creationId xmlns:a16="http://schemas.microsoft.com/office/drawing/2014/main" xmlns="" id="{7A51101A-58E2-5D47-9C72-84732412FF89}"/>
               </a:ext>
             </a:extLst>
           </p:cNvPr>
@@ -3649,27 +3654,27 @@
       </p:pic>
       <p:pic>
         <p:nvPicPr>
-          <p:cNvPr id="6" name="Picture 5">
-            <a:extLst>
-              <a:ext uri="{FF2B5EF4-FFF2-40B4-BE49-F238E27FC236}">
-                <a16:creationId xmlns:a16="http://schemas.microsoft.com/office/drawing/2014/main" id="{BF6325B2-5479-1A42-8931-22F8402FD362}"/>
-              </a:ext>
-            </a:extLst>
-          </p:cNvPr>
+          <p:cNvPr id="2" name="Picture 1"/>
           <p:cNvPicPr>
             <a:picLocks noChangeAspect="1"/>
           </p:cNvPicPr>
           <p:nvPr/>
         </p:nvPicPr>
         <p:blipFill>
-          <a:blip r:embed="rId3"/>
+          <a:blip r:embed="rId3">
+            <a:extLst>
+              <a:ext uri="{28A0092B-C50C-407E-A947-70E740481C1C}">
+                <a14:useLocalDpi xmlns:a14="http://schemas.microsoft.com/office/drawing/2010/main" val="0"/>
+              </a:ext>
+            </a:extLst>
+          </a:blip>
           <a:stretch>
             <a:fillRect/>
           </a:stretch>
         </p:blipFill>
         <p:spPr>
           <a:xfrm>
-            <a:off x="909929" y="1032386"/>
+            <a:off x="909929" y="1032385"/>
             <a:ext cx="6355216" cy="5825614"/>
           </a:xfrm>
           <a:prstGeom prst="rect">
@@ -3712,7 +3717,7 @@
           <p:cNvPr id="3" name="Picture 2">
             <a:extLst>
               <a:ext uri="{FF2B5EF4-FFF2-40B4-BE49-F238E27FC236}">
-                <a16:creationId xmlns:a16="http://schemas.microsoft.com/office/drawing/2014/main" id="{5B00487A-56D2-7746-979B-3E061AF32B8F}"/>
+                <a16:creationId xmlns:a16="http://schemas.microsoft.com/office/drawing/2014/main" xmlns="" id="{5B00487A-56D2-7746-979B-3E061AF32B8F}"/>
               </a:ext>
             </a:extLst>
           </p:cNvPr>
@@ -3739,27 +3744,27 @@
       </p:pic>
       <p:pic>
         <p:nvPicPr>
-          <p:cNvPr id="6" name="Picture 5">
-            <a:extLst>
-              <a:ext uri="{FF2B5EF4-FFF2-40B4-BE49-F238E27FC236}">
-                <a16:creationId xmlns:a16="http://schemas.microsoft.com/office/drawing/2014/main" id="{CC789F68-EF31-2444-B811-0E2FE830ED49}"/>
-              </a:ext>
-            </a:extLst>
-          </p:cNvPr>
+          <p:cNvPr id="2" name="Picture 1"/>
           <p:cNvPicPr>
             <a:picLocks noChangeAspect="1"/>
           </p:cNvPicPr>
           <p:nvPr/>
         </p:nvPicPr>
         <p:blipFill>
-          <a:blip r:embed="rId3"/>
+          <a:blip r:embed="rId3">
+            <a:extLst>
+              <a:ext uri="{28A0092B-C50C-407E-A947-70E740481C1C}">
+                <a14:useLocalDpi xmlns:a14="http://schemas.microsoft.com/office/drawing/2010/main" val="0"/>
+              </a:ext>
+            </a:extLst>
+          </a:blip>
           <a:stretch>
             <a:fillRect/>
           </a:stretch>
         </p:blipFill>
         <p:spPr>
           <a:xfrm>
-            <a:off x="909929" y="1032386"/>
+            <a:off x="909929" y="1032385"/>
             <a:ext cx="6355216" cy="5825614"/>
           </a:xfrm>
           <a:prstGeom prst="rect">
@@ -3802,7 +3807,7 @@
           <p:cNvPr id="3" name="Picture 2">
             <a:extLst>
               <a:ext uri="{FF2B5EF4-FFF2-40B4-BE49-F238E27FC236}">
-                <a16:creationId xmlns:a16="http://schemas.microsoft.com/office/drawing/2014/main" id="{560F2324-C0F8-9448-B22E-07A64C9723B9}"/>
+                <a16:creationId xmlns:a16="http://schemas.microsoft.com/office/drawing/2014/main" xmlns="" id="{560F2324-C0F8-9448-B22E-07A64C9723B9}"/>
               </a:ext>
             </a:extLst>
           </p:cNvPr>
@@ -3829,27 +3834,27 @@
       </p:pic>
       <p:pic>
         <p:nvPicPr>
-          <p:cNvPr id="6" name="Picture 5">
-            <a:extLst>
-              <a:ext uri="{FF2B5EF4-FFF2-40B4-BE49-F238E27FC236}">
-                <a16:creationId xmlns:a16="http://schemas.microsoft.com/office/drawing/2014/main" id="{3B9EE041-A6AA-6343-877D-B499FE2237AC}"/>
-              </a:ext>
-            </a:extLst>
-          </p:cNvPr>
+          <p:cNvPr id="2" name="Picture 1"/>
           <p:cNvPicPr>
             <a:picLocks noChangeAspect="1"/>
           </p:cNvPicPr>
           <p:nvPr/>
         </p:nvPicPr>
         <p:blipFill>
-          <a:blip r:embed="rId3"/>
+          <a:blip r:embed="rId3">
+            <a:extLst>
+              <a:ext uri="{28A0092B-C50C-407E-A947-70E740481C1C}">
+                <a14:useLocalDpi xmlns:a14="http://schemas.microsoft.com/office/drawing/2010/main" val="0"/>
+              </a:ext>
+            </a:extLst>
+          </a:blip>
           <a:stretch>
             <a:fillRect/>
           </a:stretch>
         </p:blipFill>
         <p:spPr>
           <a:xfrm>
-            <a:off x="909930" y="1032386"/>
+            <a:off x="909930" y="1032387"/>
             <a:ext cx="6355215" cy="5825613"/>
           </a:xfrm>
           <a:prstGeom prst="rect">

--- a/krrThomas/generalizationExample/results/3body/3bodyExample.pptx
+++ b/krrThomas/generalizationExample/results/3body/3bodyExample.pptx
@@ -139,7 +139,7 @@
           <p:cNvPr id="2" name="Title 1">
             <a:extLst>
               <a:ext uri="{FF2B5EF4-FFF2-40B4-BE49-F238E27FC236}">
-                <a16:creationId xmlns:a16="http://schemas.microsoft.com/office/drawing/2014/main" xmlns="" id="{672E218C-49BA-E441-8EDA-88E0A8D3C91F}"/>
+                <a16:creationId xmlns="" xmlns:a16="http://schemas.microsoft.com/office/drawing/2014/main" id="{672E218C-49BA-E441-8EDA-88E0A8D3C91F}"/>
               </a:ext>
             </a:extLst>
           </p:cNvPr>
@@ -177,7 +177,7 @@
           <p:cNvPr id="3" name="Subtitle 2">
             <a:extLst>
               <a:ext uri="{FF2B5EF4-FFF2-40B4-BE49-F238E27FC236}">
-                <a16:creationId xmlns:a16="http://schemas.microsoft.com/office/drawing/2014/main" xmlns="" id="{35E75BDF-5FA7-3646-88DC-8F1F0729E586}"/>
+                <a16:creationId xmlns="" xmlns:a16="http://schemas.microsoft.com/office/drawing/2014/main" id="{35E75BDF-5FA7-3646-88DC-8F1F0729E586}"/>
               </a:ext>
             </a:extLst>
           </p:cNvPr>
@@ -248,7 +248,7 @@
           <p:cNvPr id="4" name="Date Placeholder 3">
             <a:extLst>
               <a:ext uri="{FF2B5EF4-FFF2-40B4-BE49-F238E27FC236}">
-                <a16:creationId xmlns:a16="http://schemas.microsoft.com/office/drawing/2014/main" xmlns="" id="{4D97A2C0-283F-8545-A6F2-C773C3CB860D}"/>
+                <a16:creationId xmlns="" xmlns:a16="http://schemas.microsoft.com/office/drawing/2014/main" id="{4D97A2C0-283F-8545-A6F2-C773C3CB860D}"/>
               </a:ext>
             </a:extLst>
           </p:cNvPr>
@@ -277,7 +277,7 @@
           <p:cNvPr id="5" name="Footer Placeholder 4">
             <a:extLst>
               <a:ext uri="{FF2B5EF4-FFF2-40B4-BE49-F238E27FC236}">
-                <a16:creationId xmlns:a16="http://schemas.microsoft.com/office/drawing/2014/main" xmlns="" id="{F3CBA4FB-76CB-A24B-BA03-5AE1D5823000}"/>
+                <a16:creationId xmlns="" xmlns:a16="http://schemas.microsoft.com/office/drawing/2014/main" id="{F3CBA4FB-76CB-A24B-BA03-5AE1D5823000}"/>
               </a:ext>
             </a:extLst>
           </p:cNvPr>
@@ -302,7 +302,7 @@
           <p:cNvPr id="6" name="Slide Number Placeholder 5">
             <a:extLst>
               <a:ext uri="{FF2B5EF4-FFF2-40B4-BE49-F238E27FC236}">
-                <a16:creationId xmlns:a16="http://schemas.microsoft.com/office/drawing/2014/main" xmlns="" id="{D6E8DE24-C029-6440-BC37-17F4118F5982}"/>
+                <a16:creationId xmlns="" xmlns:a16="http://schemas.microsoft.com/office/drawing/2014/main" id="{D6E8DE24-C029-6440-BC37-17F4118F5982}"/>
               </a:ext>
             </a:extLst>
           </p:cNvPr>
@@ -361,7 +361,7 @@
           <p:cNvPr id="2" name="Title 1">
             <a:extLst>
               <a:ext uri="{FF2B5EF4-FFF2-40B4-BE49-F238E27FC236}">
-                <a16:creationId xmlns:a16="http://schemas.microsoft.com/office/drawing/2014/main" xmlns="" id="{021B19FA-0D49-3F47-821E-32B603CD9876}"/>
+                <a16:creationId xmlns="" xmlns:a16="http://schemas.microsoft.com/office/drawing/2014/main" id="{021B19FA-0D49-3F47-821E-32B603CD9876}"/>
               </a:ext>
             </a:extLst>
           </p:cNvPr>
@@ -390,7 +390,7 @@
           <p:cNvPr id="3" name="Vertical Text Placeholder 2">
             <a:extLst>
               <a:ext uri="{FF2B5EF4-FFF2-40B4-BE49-F238E27FC236}">
-                <a16:creationId xmlns:a16="http://schemas.microsoft.com/office/drawing/2014/main" xmlns="" id="{E7C2C02B-A495-D446-9F90-749122CA057A}"/>
+                <a16:creationId xmlns="" xmlns:a16="http://schemas.microsoft.com/office/drawing/2014/main" id="{E7C2C02B-A495-D446-9F90-749122CA057A}"/>
               </a:ext>
             </a:extLst>
           </p:cNvPr>
@@ -448,7 +448,7 @@
           <p:cNvPr id="4" name="Date Placeholder 3">
             <a:extLst>
               <a:ext uri="{FF2B5EF4-FFF2-40B4-BE49-F238E27FC236}">
-                <a16:creationId xmlns:a16="http://schemas.microsoft.com/office/drawing/2014/main" xmlns="" id="{548BF81B-FC89-E646-88F6-FAC477C5B04B}"/>
+                <a16:creationId xmlns="" xmlns:a16="http://schemas.microsoft.com/office/drawing/2014/main" id="{548BF81B-FC89-E646-88F6-FAC477C5B04B}"/>
               </a:ext>
             </a:extLst>
           </p:cNvPr>
@@ -477,7 +477,7 @@
           <p:cNvPr id="5" name="Footer Placeholder 4">
             <a:extLst>
               <a:ext uri="{FF2B5EF4-FFF2-40B4-BE49-F238E27FC236}">
-                <a16:creationId xmlns:a16="http://schemas.microsoft.com/office/drawing/2014/main" xmlns="" id="{F0FB3B82-6DA7-384E-8DB3-E765436EDA3E}"/>
+                <a16:creationId xmlns="" xmlns:a16="http://schemas.microsoft.com/office/drawing/2014/main" id="{F0FB3B82-6DA7-384E-8DB3-E765436EDA3E}"/>
               </a:ext>
             </a:extLst>
           </p:cNvPr>
@@ -502,7 +502,7 @@
           <p:cNvPr id="6" name="Slide Number Placeholder 5">
             <a:extLst>
               <a:ext uri="{FF2B5EF4-FFF2-40B4-BE49-F238E27FC236}">
-                <a16:creationId xmlns:a16="http://schemas.microsoft.com/office/drawing/2014/main" xmlns="" id="{0EF856CD-B827-4248-92D0-D31EF09E360F}"/>
+                <a16:creationId xmlns="" xmlns:a16="http://schemas.microsoft.com/office/drawing/2014/main" id="{0EF856CD-B827-4248-92D0-D31EF09E360F}"/>
               </a:ext>
             </a:extLst>
           </p:cNvPr>
@@ -561,7 +561,7 @@
           <p:cNvPr id="2" name="Vertical Title 1">
             <a:extLst>
               <a:ext uri="{FF2B5EF4-FFF2-40B4-BE49-F238E27FC236}">
-                <a16:creationId xmlns:a16="http://schemas.microsoft.com/office/drawing/2014/main" xmlns="" id="{BD0FAC95-D4B4-1E41-829E-567AC3572CA6}"/>
+                <a16:creationId xmlns="" xmlns:a16="http://schemas.microsoft.com/office/drawing/2014/main" id="{BD0FAC95-D4B4-1E41-829E-567AC3572CA6}"/>
               </a:ext>
             </a:extLst>
           </p:cNvPr>
@@ -595,7 +595,7 @@
           <p:cNvPr id="3" name="Vertical Text Placeholder 2">
             <a:extLst>
               <a:ext uri="{FF2B5EF4-FFF2-40B4-BE49-F238E27FC236}">
-                <a16:creationId xmlns:a16="http://schemas.microsoft.com/office/drawing/2014/main" xmlns="" id="{86167275-5215-A543-AE82-1C508708F0CF}"/>
+                <a16:creationId xmlns="" xmlns:a16="http://schemas.microsoft.com/office/drawing/2014/main" id="{86167275-5215-A543-AE82-1C508708F0CF}"/>
               </a:ext>
             </a:extLst>
           </p:cNvPr>
@@ -658,7 +658,7 @@
           <p:cNvPr id="4" name="Date Placeholder 3">
             <a:extLst>
               <a:ext uri="{FF2B5EF4-FFF2-40B4-BE49-F238E27FC236}">
-                <a16:creationId xmlns:a16="http://schemas.microsoft.com/office/drawing/2014/main" xmlns="" id="{54FE5B70-4DAD-C845-B552-AD2381762794}"/>
+                <a16:creationId xmlns="" xmlns:a16="http://schemas.microsoft.com/office/drawing/2014/main" id="{54FE5B70-4DAD-C845-B552-AD2381762794}"/>
               </a:ext>
             </a:extLst>
           </p:cNvPr>
@@ -687,7 +687,7 @@
           <p:cNvPr id="5" name="Footer Placeholder 4">
             <a:extLst>
               <a:ext uri="{FF2B5EF4-FFF2-40B4-BE49-F238E27FC236}">
-                <a16:creationId xmlns:a16="http://schemas.microsoft.com/office/drawing/2014/main" xmlns="" id="{192E04E6-3A8E-E242-A5D3-4AC03521D894}"/>
+                <a16:creationId xmlns="" xmlns:a16="http://schemas.microsoft.com/office/drawing/2014/main" id="{192E04E6-3A8E-E242-A5D3-4AC03521D894}"/>
               </a:ext>
             </a:extLst>
           </p:cNvPr>
@@ -712,7 +712,7 @@
           <p:cNvPr id="6" name="Slide Number Placeholder 5">
             <a:extLst>
               <a:ext uri="{FF2B5EF4-FFF2-40B4-BE49-F238E27FC236}">
-                <a16:creationId xmlns:a16="http://schemas.microsoft.com/office/drawing/2014/main" xmlns="" id="{5AF9EC2F-60F5-5644-861E-4D49C68E8685}"/>
+                <a16:creationId xmlns="" xmlns:a16="http://schemas.microsoft.com/office/drawing/2014/main" id="{5AF9EC2F-60F5-5644-861E-4D49C68E8685}"/>
               </a:ext>
             </a:extLst>
           </p:cNvPr>
@@ -771,7 +771,7 @@
           <p:cNvPr id="2" name="Title 1">
             <a:extLst>
               <a:ext uri="{FF2B5EF4-FFF2-40B4-BE49-F238E27FC236}">
-                <a16:creationId xmlns:a16="http://schemas.microsoft.com/office/drawing/2014/main" xmlns="" id="{63D9B239-D6CD-9142-81BF-2E8A41D0B345}"/>
+                <a16:creationId xmlns="" xmlns:a16="http://schemas.microsoft.com/office/drawing/2014/main" id="{63D9B239-D6CD-9142-81BF-2E8A41D0B345}"/>
               </a:ext>
             </a:extLst>
           </p:cNvPr>
@@ -800,7 +800,7 @@
           <p:cNvPr id="3" name="Content Placeholder 2">
             <a:extLst>
               <a:ext uri="{FF2B5EF4-FFF2-40B4-BE49-F238E27FC236}">
-                <a16:creationId xmlns:a16="http://schemas.microsoft.com/office/drawing/2014/main" xmlns="" id="{7030F0B5-1B5D-544F-B9EA-DC1E194AB202}"/>
+                <a16:creationId xmlns="" xmlns:a16="http://schemas.microsoft.com/office/drawing/2014/main" id="{7030F0B5-1B5D-544F-B9EA-DC1E194AB202}"/>
               </a:ext>
             </a:extLst>
           </p:cNvPr>
@@ -858,7 +858,7 @@
           <p:cNvPr id="4" name="Date Placeholder 3">
             <a:extLst>
               <a:ext uri="{FF2B5EF4-FFF2-40B4-BE49-F238E27FC236}">
-                <a16:creationId xmlns:a16="http://schemas.microsoft.com/office/drawing/2014/main" xmlns="" id="{F3C29522-89F1-4F4E-9AB8-4673CCFD2260}"/>
+                <a16:creationId xmlns="" xmlns:a16="http://schemas.microsoft.com/office/drawing/2014/main" id="{F3C29522-89F1-4F4E-9AB8-4673CCFD2260}"/>
               </a:ext>
             </a:extLst>
           </p:cNvPr>
@@ -887,7 +887,7 @@
           <p:cNvPr id="5" name="Footer Placeholder 4">
             <a:extLst>
               <a:ext uri="{FF2B5EF4-FFF2-40B4-BE49-F238E27FC236}">
-                <a16:creationId xmlns:a16="http://schemas.microsoft.com/office/drawing/2014/main" xmlns="" id="{20498D42-A8E0-4F40-B97F-7039CAE3F8A7}"/>
+                <a16:creationId xmlns="" xmlns:a16="http://schemas.microsoft.com/office/drawing/2014/main" id="{20498D42-A8E0-4F40-B97F-7039CAE3F8A7}"/>
               </a:ext>
             </a:extLst>
           </p:cNvPr>
@@ -912,7 +912,7 @@
           <p:cNvPr id="6" name="Slide Number Placeholder 5">
             <a:extLst>
               <a:ext uri="{FF2B5EF4-FFF2-40B4-BE49-F238E27FC236}">
-                <a16:creationId xmlns:a16="http://schemas.microsoft.com/office/drawing/2014/main" xmlns="" id="{04EC87C0-449E-7F43-B03B-EF8CF174086F}"/>
+                <a16:creationId xmlns="" xmlns:a16="http://schemas.microsoft.com/office/drawing/2014/main" id="{04EC87C0-449E-7F43-B03B-EF8CF174086F}"/>
               </a:ext>
             </a:extLst>
           </p:cNvPr>
@@ -971,7 +971,7 @@
           <p:cNvPr id="2" name="Title 1">
             <a:extLst>
               <a:ext uri="{FF2B5EF4-FFF2-40B4-BE49-F238E27FC236}">
-                <a16:creationId xmlns:a16="http://schemas.microsoft.com/office/drawing/2014/main" xmlns="" id="{B08223E2-E88B-BE42-9A43-AD01D2DE7928}"/>
+                <a16:creationId xmlns="" xmlns:a16="http://schemas.microsoft.com/office/drawing/2014/main" id="{B08223E2-E88B-BE42-9A43-AD01D2DE7928}"/>
               </a:ext>
             </a:extLst>
           </p:cNvPr>
@@ -1009,7 +1009,7 @@
           <p:cNvPr id="3" name="Text Placeholder 2">
             <a:extLst>
               <a:ext uri="{FF2B5EF4-FFF2-40B4-BE49-F238E27FC236}">
-                <a16:creationId xmlns:a16="http://schemas.microsoft.com/office/drawing/2014/main" xmlns="" id="{CB9ACD39-E85C-8D41-B763-800FF4DF2994}"/>
+                <a16:creationId xmlns="" xmlns:a16="http://schemas.microsoft.com/office/drawing/2014/main" id="{CB9ACD39-E85C-8D41-B763-800FF4DF2994}"/>
               </a:ext>
             </a:extLst>
           </p:cNvPr>
@@ -1134,7 +1134,7 @@
           <p:cNvPr id="4" name="Date Placeholder 3">
             <a:extLst>
               <a:ext uri="{FF2B5EF4-FFF2-40B4-BE49-F238E27FC236}">
-                <a16:creationId xmlns:a16="http://schemas.microsoft.com/office/drawing/2014/main" xmlns="" id="{676A7C58-CC9C-224A-8ED6-16B7CE835DC5}"/>
+                <a16:creationId xmlns="" xmlns:a16="http://schemas.microsoft.com/office/drawing/2014/main" id="{676A7C58-CC9C-224A-8ED6-16B7CE835DC5}"/>
               </a:ext>
             </a:extLst>
           </p:cNvPr>
@@ -1163,7 +1163,7 @@
           <p:cNvPr id="5" name="Footer Placeholder 4">
             <a:extLst>
               <a:ext uri="{FF2B5EF4-FFF2-40B4-BE49-F238E27FC236}">
-                <a16:creationId xmlns:a16="http://schemas.microsoft.com/office/drawing/2014/main" xmlns="" id="{256A84B5-8B7A-664A-8141-371E3F17B40F}"/>
+                <a16:creationId xmlns="" xmlns:a16="http://schemas.microsoft.com/office/drawing/2014/main" id="{256A84B5-8B7A-664A-8141-371E3F17B40F}"/>
               </a:ext>
             </a:extLst>
           </p:cNvPr>
@@ -1188,7 +1188,7 @@
           <p:cNvPr id="6" name="Slide Number Placeholder 5">
             <a:extLst>
               <a:ext uri="{FF2B5EF4-FFF2-40B4-BE49-F238E27FC236}">
-                <a16:creationId xmlns:a16="http://schemas.microsoft.com/office/drawing/2014/main" xmlns="" id="{B49DC1E4-7BAB-FD42-BFDA-450DC0D6E3C0}"/>
+                <a16:creationId xmlns="" xmlns:a16="http://schemas.microsoft.com/office/drawing/2014/main" id="{B49DC1E4-7BAB-FD42-BFDA-450DC0D6E3C0}"/>
               </a:ext>
             </a:extLst>
           </p:cNvPr>
@@ -1247,7 +1247,7 @@
           <p:cNvPr id="2" name="Title 1">
             <a:extLst>
               <a:ext uri="{FF2B5EF4-FFF2-40B4-BE49-F238E27FC236}">
-                <a16:creationId xmlns:a16="http://schemas.microsoft.com/office/drawing/2014/main" xmlns="" id="{EB482F15-AD3A-DA48-8BB9-E632C1698F6C}"/>
+                <a16:creationId xmlns="" xmlns:a16="http://schemas.microsoft.com/office/drawing/2014/main" id="{EB482F15-AD3A-DA48-8BB9-E632C1698F6C}"/>
               </a:ext>
             </a:extLst>
           </p:cNvPr>
@@ -1276,7 +1276,7 @@
           <p:cNvPr id="3" name="Content Placeholder 2">
             <a:extLst>
               <a:ext uri="{FF2B5EF4-FFF2-40B4-BE49-F238E27FC236}">
-                <a16:creationId xmlns:a16="http://schemas.microsoft.com/office/drawing/2014/main" xmlns="" id="{91EFE12E-4F77-8544-8D73-741F7FCE4AE3}"/>
+                <a16:creationId xmlns="" xmlns:a16="http://schemas.microsoft.com/office/drawing/2014/main" id="{91EFE12E-4F77-8544-8D73-741F7FCE4AE3}"/>
               </a:ext>
             </a:extLst>
           </p:cNvPr>
@@ -1339,7 +1339,7 @@
           <p:cNvPr id="4" name="Content Placeholder 3">
             <a:extLst>
               <a:ext uri="{FF2B5EF4-FFF2-40B4-BE49-F238E27FC236}">
-                <a16:creationId xmlns:a16="http://schemas.microsoft.com/office/drawing/2014/main" xmlns="" id="{BF727845-E151-6E4B-A62F-D4957897FE8A}"/>
+                <a16:creationId xmlns="" xmlns:a16="http://schemas.microsoft.com/office/drawing/2014/main" id="{BF727845-E151-6E4B-A62F-D4957897FE8A}"/>
               </a:ext>
             </a:extLst>
           </p:cNvPr>
@@ -1402,7 +1402,7 @@
           <p:cNvPr id="5" name="Date Placeholder 4">
             <a:extLst>
               <a:ext uri="{FF2B5EF4-FFF2-40B4-BE49-F238E27FC236}">
-                <a16:creationId xmlns:a16="http://schemas.microsoft.com/office/drawing/2014/main" xmlns="" id="{26AB5EB4-9059-154E-BF57-9DCFD16C8AFA}"/>
+                <a16:creationId xmlns="" xmlns:a16="http://schemas.microsoft.com/office/drawing/2014/main" id="{26AB5EB4-9059-154E-BF57-9DCFD16C8AFA}"/>
               </a:ext>
             </a:extLst>
           </p:cNvPr>
@@ -1431,7 +1431,7 @@
           <p:cNvPr id="6" name="Footer Placeholder 5">
             <a:extLst>
               <a:ext uri="{FF2B5EF4-FFF2-40B4-BE49-F238E27FC236}">
-                <a16:creationId xmlns:a16="http://schemas.microsoft.com/office/drawing/2014/main" xmlns="" id="{838BD1D1-C924-044C-BD84-6D5058FDFEF0}"/>
+                <a16:creationId xmlns="" xmlns:a16="http://schemas.microsoft.com/office/drawing/2014/main" id="{838BD1D1-C924-044C-BD84-6D5058FDFEF0}"/>
               </a:ext>
             </a:extLst>
           </p:cNvPr>
@@ -1456,7 +1456,7 @@
           <p:cNvPr id="7" name="Slide Number Placeholder 6">
             <a:extLst>
               <a:ext uri="{FF2B5EF4-FFF2-40B4-BE49-F238E27FC236}">
-                <a16:creationId xmlns:a16="http://schemas.microsoft.com/office/drawing/2014/main" xmlns="" id="{A2CEA45D-CD3D-A048-A5B0-8FA898785230}"/>
+                <a16:creationId xmlns="" xmlns:a16="http://schemas.microsoft.com/office/drawing/2014/main" id="{A2CEA45D-CD3D-A048-A5B0-8FA898785230}"/>
               </a:ext>
             </a:extLst>
           </p:cNvPr>
@@ -1515,7 +1515,7 @@
           <p:cNvPr id="2" name="Title 1">
             <a:extLst>
               <a:ext uri="{FF2B5EF4-FFF2-40B4-BE49-F238E27FC236}">
-                <a16:creationId xmlns:a16="http://schemas.microsoft.com/office/drawing/2014/main" xmlns="" id="{DBC0E51E-3E45-F94A-8254-938C17012837}"/>
+                <a16:creationId xmlns="" xmlns:a16="http://schemas.microsoft.com/office/drawing/2014/main" id="{DBC0E51E-3E45-F94A-8254-938C17012837}"/>
               </a:ext>
             </a:extLst>
           </p:cNvPr>
@@ -1549,7 +1549,7 @@
           <p:cNvPr id="3" name="Text Placeholder 2">
             <a:extLst>
               <a:ext uri="{FF2B5EF4-FFF2-40B4-BE49-F238E27FC236}">
-                <a16:creationId xmlns:a16="http://schemas.microsoft.com/office/drawing/2014/main" xmlns="" id="{648B79D7-BE5B-E643-9A7A-CB6BEF4BF79D}"/>
+                <a16:creationId xmlns="" xmlns:a16="http://schemas.microsoft.com/office/drawing/2014/main" id="{648B79D7-BE5B-E643-9A7A-CB6BEF4BF79D}"/>
               </a:ext>
             </a:extLst>
           </p:cNvPr>
@@ -1620,7 +1620,7 @@
           <p:cNvPr id="4" name="Content Placeholder 3">
             <a:extLst>
               <a:ext uri="{FF2B5EF4-FFF2-40B4-BE49-F238E27FC236}">
-                <a16:creationId xmlns:a16="http://schemas.microsoft.com/office/drawing/2014/main" xmlns="" id="{ECE34598-1B92-4A4B-813B-1010F4F0F0E2}"/>
+                <a16:creationId xmlns="" xmlns:a16="http://schemas.microsoft.com/office/drawing/2014/main" id="{ECE34598-1B92-4A4B-813B-1010F4F0F0E2}"/>
               </a:ext>
             </a:extLst>
           </p:cNvPr>
@@ -1683,7 +1683,7 @@
           <p:cNvPr id="5" name="Text Placeholder 4">
             <a:extLst>
               <a:ext uri="{FF2B5EF4-FFF2-40B4-BE49-F238E27FC236}">
-                <a16:creationId xmlns:a16="http://schemas.microsoft.com/office/drawing/2014/main" xmlns="" id="{3E8FDD36-E5C5-F543-A737-1435EAFE1272}"/>
+                <a16:creationId xmlns="" xmlns:a16="http://schemas.microsoft.com/office/drawing/2014/main" id="{3E8FDD36-E5C5-F543-A737-1435EAFE1272}"/>
               </a:ext>
             </a:extLst>
           </p:cNvPr>
@@ -1754,7 +1754,7 @@
           <p:cNvPr id="6" name="Content Placeholder 5">
             <a:extLst>
               <a:ext uri="{FF2B5EF4-FFF2-40B4-BE49-F238E27FC236}">
-                <a16:creationId xmlns:a16="http://schemas.microsoft.com/office/drawing/2014/main" xmlns="" id="{B42BA9A9-EA1F-1046-A7F6-A75970AFA3D5}"/>
+                <a16:creationId xmlns="" xmlns:a16="http://schemas.microsoft.com/office/drawing/2014/main" id="{B42BA9A9-EA1F-1046-A7F6-A75970AFA3D5}"/>
               </a:ext>
             </a:extLst>
           </p:cNvPr>
@@ -1817,7 +1817,7 @@
           <p:cNvPr id="7" name="Date Placeholder 6">
             <a:extLst>
               <a:ext uri="{FF2B5EF4-FFF2-40B4-BE49-F238E27FC236}">
-                <a16:creationId xmlns:a16="http://schemas.microsoft.com/office/drawing/2014/main" xmlns="" id="{C38C7ACF-4A1E-C64B-B742-EC58C55B4CF4}"/>
+                <a16:creationId xmlns="" xmlns:a16="http://schemas.microsoft.com/office/drawing/2014/main" id="{C38C7ACF-4A1E-C64B-B742-EC58C55B4CF4}"/>
               </a:ext>
             </a:extLst>
           </p:cNvPr>
@@ -1846,7 +1846,7 @@
           <p:cNvPr id="8" name="Footer Placeholder 7">
             <a:extLst>
               <a:ext uri="{FF2B5EF4-FFF2-40B4-BE49-F238E27FC236}">
-                <a16:creationId xmlns:a16="http://schemas.microsoft.com/office/drawing/2014/main" xmlns="" id="{73FB0302-8B3E-CB4E-9B29-A7C43CED9A7C}"/>
+                <a16:creationId xmlns="" xmlns:a16="http://schemas.microsoft.com/office/drawing/2014/main" id="{73FB0302-8B3E-CB4E-9B29-A7C43CED9A7C}"/>
               </a:ext>
             </a:extLst>
           </p:cNvPr>
@@ -1871,7 +1871,7 @@
           <p:cNvPr id="9" name="Slide Number Placeholder 8">
             <a:extLst>
               <a:ext uri="{FF2B5EF4-FFF2-40B4-BE49-F238E27FC236}">
-                <a16:creationId xmlns:a16="http://schemas.microsoft.com/office/drawing/2014/main" xmlns="" id="{FEB42FFB-4917-CC4F-A62B-9DF74FF835B7}"/>
+                <a16:creationId xmlns="" xmlns:a16="http://schemas.microsoft.com/office/drawing/2014/main" id="{FEB42FFB-4917-CC4F-A62B-9DF74FF835B7}"/>
               </a:ext>
             </a:extLst>
           </p:cNvPr>
@@ -1930,7 +1930,7 @@
           <p:cNvPr id="2" name="Title 1">
             <a:extLst>
               <a:ext uri="{FF2B5EF4-FFF2-40B4-BE49-F238E27FC236}">
-                <a16:creationId xmlns:a16="http://schemas.microsoft.com/office/drawing/2014/main" xmlns="" id="{B5D31A04-956B-C84F-9E5A-F234816DF823}"/>
+                <a16:creationId xmlns="" xmlns:a16="http://schemas.microsoft.com/office/drawing/2014/main" id="{B5D31A04-956B-C84F-9E5A-F234816DF823}"/>
               </a:ext>
             </a:extLst>
           </p:cNvPr>
@@ -1959,7 +1959,7 @@
           <p:cNvPr id="3" name="Date Placeholder 2">
             <a:extLst>
               <a:ext uri="{FF2B5EF4-FFF2-40B4-BE49-F238E27FC236}">
-                <a16:creationId xmlns:a16="http://schemas.microsoft.com/office/drawing/2014/main" xmlns="" id="{2A1A5D70-FE92-0541-8D17-4D91C3943357}"/>
+                <a16:creationId xmlns="" xmlns:a16="http://schemas.microsoft.com/office/drawing/2014/main" id="{2A1A5D70-FE92-0541-8D17-4D91C3943357}"/>
               </a:ext>
             </a:extLst>
           </p:cNvPr>
@@ -1988,7 +1988,7 @@
           <p:cNvPr id="4" name="Footer Placeholder 3">
             <a:extLst>
               <a:ext uri="{FF2B5EF4-FFF2-40B4-BE49-F238E27FC236}">
-                <a16:creationId xmlns:a16="http://schemas.microsoft.com/office/drawing/2014/main" xmlns="" id="{CAD09413-CA7B-2648-8A88-205030E0A64B}"/>
+                <a16:creationId xmlns="" xmlns:a16="http://schemas.microsoft.com/office/drawing/2014/main" id="{CAD09413-CA7B-2648-8A88-205030E0A64B}"/>
               </a:ext>
             </a:extLst>
           </p:cNvPr>
@@ -2013,7 +2013,7 @@
           <p:cNvPr id="5" name="Slide Number Placeholder 4">
             <a:extLst>
               <a:ext uri="{FF2B5EF4-FFF2-40B4-BE49-F238E27FC236}">
-                <a16:creationId xmlns:a16="http://schemas.microsoft.com/office/drawing/2014/main" xmlns="" id="{DFD27673-0781-2A45-B63C-D95878757F90}"/>
+                <a16:creationId xmlns="" xmlns:a16="http://schemas.microsoft.com/office/drawing/2014/main" id="{DFD27673-0781-2A45-B63C-D95878757F90}"/>
               </a:ext>
             </a:extLst>
           </p:cNvPr>
@@ -2072,7 +2072,7 @@
           <p:cNvPr id="2" name="Date Placeholder 1">
             <a:extLst>
               <a:ext uri="{FF2B5EF4-FFF2-40B4-BE49-F238E27FC236}">
-                <a16:creationId xmlns:a16="http://schemas.microsoft.com/office/drawing/2014/main" xmlns="" id="{27EBDEB7-7155-C745-A3F4-CE3FCE7375BE}"/>
+                <a16:creationId xmlns="" xmlns:a16="http://schemas.microsoft.com/office/drawing/2014/main" id="{27EBDEB7-7155-C745-A3F4-CE3FCE7375BE}"/>
               </a:ext>
             </a:extLst>
           </p:cNvPr>
@@ -2101,7 +2101,7 @@
           <p:cNvPr id="3" name="Footer Placeholder 2">
             <a:extLst>
               <a:ext uri="{FF2B5EF4-FFF2-40B4-BE49-F238E27FC236}">
-                <a16:creationId xmlns:a16="http://schemas.microsoft.com/office/drawing/2014/main" xmlns="" id="{B58E8595-149A-514E-9921-B01B67A0552D}"/>
+                <a16:creationId xmlns="" xmlns:a16="http://schemas.microsoft.com/office/drawing/2014/main" id="{B58E8595-149A-514E-9921-B01B67A0552D}"/>
               </a:ext>
             </a:extLst>
           </p:cNvPr>
@@ -2126,7 +2126,7 @@
           <p:cNvPr id="4" name="Slide Number Placeholder 3">
             <a:extLst>
               <a:ext uri="{FF2B5EF4-FFF2-40B4-BE49-F238E27FC236}">
-                <a16:creationId xmlns:a16="http://schemas.microsoft.com/office/drawing/2014/main" xmlns="" id="{37386F87-44DA-2C49-A85F-6EFA507CDFE8}"/>
+                <a16:creationId xmlns="" xmlns:a16="http://schemas.microsoft.com/office/drawing/2014/main" id="{37386F87-44DA-2C49-A85F-6EFA507CDFE8}"/>
               </a:ext>
             </a:extLst>
           </p:cNvPr>
@@ -2185,7 +2185,7 @@
           <p:cNvPr id="2" name="Title 1">
             <a:extLst>
               <a:ext uri="{FF2B5EF4-FFF2-40B4-BE49-F238E27FC236}">
-                <a16:creationId xmlns:a16="http://schemas.microsoft.com/office/drawing/2014/main" xmlns="" id="{E81819F7-A09E-E547-9374-B01C97F9C065}"/>
+                <a16:creationId xmlns="" xmlns:a16="http://schemas.microsoft.com/office/drawing/2014/main" id="{E81819F7-A09E-E547-9374-B01C97F9C065}"/>
               </a:ext>
             </a:extLst>
           </p:cNvPr>
@@ -2223,7 +2223,7 @@
           <p:cNvPr id="3" name="Content Placeholder 2">
             <a:extLst>
               <a:ext uri="{FF2B5EF4-FFF2-40B4-BE49-F238E27FC236}">
-                <a16:creationId xmlns:a16="http://schemas.microsoft.com/office/drawing/2014/main" xmlns="" id="{B47DC106-2E90-1C46-A926-79BD432484C1}"/>
+                <a16:creationId xmlns="" xmlns:a16="http://schemas.microsoft.com/office/drawing/2014/main" id="{B47DC106-2E90-1C46-A926-79BD432484C1}"/>
               </a:ext>
             </a:extLst>
           </p:cNvPr>
@@ -2314,7 +2314,7 @@
           <p:cNvPr id="4" name="Text Placeholder 3">
             <a:extLst>
               <a:ext uri="{FF2B5EF4-FFF2-40B4-BE49-F238E27FC236}">
-                <a16:creationId xmlns:a16="http://schemas.microsoft.com/office/drawing/2014/main" xmlns="" id="{2F57DB21-3893-4E4D-8AE9-CB64FDE61BE6}"/>
+                <a16:creationId xmlns="" xmlns:a16="http://schemas.microsoft.com/office/drawing/2014/main" id="{2F57DB21-3893-4E4D-8AE9-CB64FDE61BE6}"/>
               </a:ext>
             </a:extLst>
           </p:cNvPr>
@@ -2385,7 +2385,7 @@
           <p:cNvPr id="5" name="Date Placeholder 4">
             <a:extLst>
               <a:ext uri="{FF2B5EF4-FFF2-40B4-BE49-F238E27FC236}">
-                <a16:creationId xmlns:a16="http://schemas.microsoft.com/office/drawing/2014/main" xmlns="" id="{404BD33F-4A09-284E-A773-251DF62BE968}"/>
+                <a16:creationId xmlns="" xmlns:a16="http://schemas.microsoft.com/office/drawing/2014/main" id="{404BD33F-4A09-284E-A773-251DF62BE968}"/>
               </a:ext>
             </a:extLst>
           </p:cNvPr>
@@ -2414,7 +2414,7 @@
           <p:cNvPr id="6" name="Footer Placeholder 5">
             <a:extLst>
               <a:ext uri="{FF2B5EF4-FFF2-40B4-BE49-F238E27FC236}">
-                <a16:creationId xmlns:a16="http://schemas.microsoft.com/office/drawing/2014/main" xmlns="" id="{37FE38C7-892A-A64A-8BDA-C7104CB8532B}"/>
+                <a16:creationId xmlns="" xmlns:a16="http://schemas.microsoft.com/office/drawing/2014/main" id="{37FE38C7-892A-A64A-8BDA-C7104CB8532B}"/>
               </a:ext>
             </a:extLst>
           </p:cNvPr>
@@ -2439,7 +2439,7 @@
           <p:cNvPr id="7" name="Slide Number Placeholder 6">
             <a:extLst>
               <a:ext uri="{FF2B5EF4-FFF2-40B4-BE49-F238E27FC236}">
-                <a16:creationId xmlns:a16="http://schemas.microsoft.com/office/drawing/2014/main" xmlns="" id="{F16D0E08-1DCC-A249-80D1-AF8F894A19C7}"/>
+                <a16:creationId xmlns="" xmlns:a16="http://schemas.microsoft.com/office/drawing/2014/main" id="{F16D0E08-1DCC-A249-80D1-AF8F894A19C7}"/>
               </a:ext>
             </a:extLst>
           </p:cNvPr>
@@ -2498,7 +2498,7 @@
           <p:cNvPr id="2" name="Title 1">
             <a:extLst>
               <a:ext uri="{FF2B5EF4-FFF2-40B4-BE49-F238E27FC236}">
-                <a16:creationId xmlns:a16="http://schemas.microsoft.com/office/drawing/2014/main" xmlns="" id="{0968203F-AAB9-5940-AA59-71552B0ECFEA}"/>
+                <a16:creationId xmlns="" xmlns:a16="http://schemas.microsoft.com/office/drawing/2014/main" id="{0968203F-AAB9-5940-AA59-71552B0ECFEA}"/>
               </a:ext>
             </a:extLst>
           </p:cNvPr>
@@ -2536,7 +2536,7 @@
           <p:cNvPr id="3" name="Picture Placeholder 2">
             <a:extLst>
               <a:ext uri="{FF2B5EF4-FFF2-40B4-BE49-F238E27FC236}">
-                <a16:creationId xmlns:a16="http://schemas.microsoft.com/office/drawing/2014/main" xmlns="" id="{9251A007-FD0C-DD4F-B434-894F13861583}"/>
+                <a16:creationId xmlns="" xmlns:a16="http://schemas.microsoft.com/office/drawing/2014/main" id="{9251A007-FD0C-DD4F-B434-894F13861583}"/>
               </a:ext>
             </a:extLst>
           </p:cNvPr>
@@ -2603,7 +2603,7 @@
           <p:cNvPr id="4" name="Text Placeholder 3">
             <a:extLst>
               <a:ext uri="{FF2B5EF4-FFF2-40B4-BE49-F238E27FC236}">
-                <a16:creationId xmlns:a16="http://schemas.microsoft.com/office/drawing/2014/main" xmlns="" id="{B48F2EBF-C87D-3E4C-9527-F690D6EDADEB}"/>
+                <a16:creationId xmlns="" xmlns:a16="http://schemas.microsoft.com/office/drawing/2014/main" id="{B48F2EBF-C87D-3E4C-9527-F690D6EDADEB}"/>
               </a:ext>
             </a:extLst>
           </p:cNvPr>
@@ -2674,7 +2674,7 @@
           <p:cNvPr id="5" name="Date Placeholder 4">
             <a:extLst>
               <a:ext uri="{FF2B5EF4-FFF2-40B4-BE49-F238E27FC236}">
-                <a16:creationId xmlns:a16="http://schemas.microsoft.com/office/drawing/2014/main" xmlns="" id="{BD4D112A-850C-AD4A-89E2-468D25A82926}"/>
+                <a16:creationId xmlns="" xmlns:a16="http://schemas.microsoft.com/office/drawing/2014/main" id="{BD4D112A-850C-AD4A-89E2-468D25A82926}"/>
               </a:ext>
             </a:extLst>
           </p:cNvPr>
@@ -2703,7 +2703,7 @@
           <p:cNvPr id="6" name="Footer Placeholder 5">
             <a:extLst>
               <a:ext uri="{FF2B5EF4-FFF2-40B4-BE49-F238E27FC236}">
-                <a16:creationId xmlns:a16="http://schemas.microsoft.com/office/drawing/2014/main" xmlns="" id="{2CD4CE03-0F08-2E4F-BD5B-C39767E8732A}"/>
+                <a16:creationId xmlns="" xmlns:a16="http://schemas.microsoft.com/office/drawing/2014/main" id="{2CD4CE03-0F08-2E4F-BD5B-C39767E8732A}"/>
               </a:ext>
             </a:extLst>
           </p:cNvPr>
@@ -2728,7 +2728,7 @@
           <p:cNvPr id="7" name="Slide Number Placeholder 6">
             <a:extLst>
               <a:ext uri="{FF2B5EF4-FFF2-40B4-BE49-F238E27FC236}">
-                <a16:creationId xmlns:a16="http://schemas.microsoft.com/office/drawing/2014/main" xmlns="" id="{D081F094-BDAC-7748-B469-E42FA10CD585}"/>
+                <a16:creationId xmlns="" xmlns:a16="http://schemas.microsoft.com/office/drawing/2014/main" id="{D081F094-BDAC-7748-B469-E42FA10CD585}"/>
               </a:ext>
             </a:extLst>
           </p:cNvPr>
@@ -2792,7 +2792,7 @@
           <p:cNvPr id="2" name="Title Placeholder 1">
             <a:extLst>
               <a:ext uri="{FF2B5EF4-FFF2-40B4-BE49-F238E27FC236}">
-                <a16:creationId xmlns:a16="http://schemas.microsoft.com/office/drawing/2014/main" xmlns="" id="{A70E8259-B450-F940-A63E-AC1AABCD1175}"/>
+                <a16:creationId xmlns="" xmlns:a16="http://schemas.microsoft.com/office/drawing/2014/main" id="{A70E8259-B450-F940-A63E-AC1AABCD1175}"/>
               </a:ext>
             </a:extLst>
           </p:cNvPr>
@@ -2831,7 +2831,7 @@
           <p:cNvPr id="3" name="Text Placeholder 2">
             <a:extLst>
               <a:ext uri="{FF2B5EF4-FFF2-40B4-BE49-F238E27FC236}">
-                <a16:creationId xmlns:a16="http://schemas.microsoft.com/office/drawing/2014/main" xmlns="" id="{B0CCA58C-AE43-BD4B-91CB-93A65DAC63C6}"/>
+                <a16:creationId xmlns="" xmlns:a16="http://schemas.microsoft.com/office/drawing/2014/main" id="{B0CCA58C-AE43-BD4B-91CB-93A65DAC63C6}"/>
               </a:ext>
             </a:extLst>
           </p:cNvPr>
@@ -2899,7 +2899,7 @@
           <p:cNvPr id="4" name="Date Placeholder 3">
             <a:extLst>
               <a:ext uri="{FF2B5EF4-FFF2-40B4-BE49-F238E27FC236}">
-                <a16:creationId xmlns:a16="http://schemas.microsoft.com/office/drawing/2014/main" xmlns="" id="{4B76D034-8DF1-844B-983F-CB8CF3703790}"/>
+                <a16:creationId xmlns="" xmlns:a16="http://schemas.microsoft.com/office/drawing/2014/main" id="{4B76D034-8DF1-844B-983F-CB8CF3703790}"/>
               </a:ext>
             </a:extLst>
           </p:cNvPr>
@@ -2946,7 +2946,7 @@
           <p:cNvPr id="5" name="Footer Placeholder 4">
             <a:extLst>
               <a:ext uri="{FF2B5EF4-FFF2-40B4-BE49-F238E27FC236}">
-                <a16:creationId xmlns:a16="http://schemas.microsoft.com/office/drawing/2014/main" xmlns="" id="{B093DF80-EBC5-1540-A846-F75115CB2151}"/>
+                <a16:creationId xmlns="" xmlns:a16="http://schemas.microsoft.com/office/drawing/2014/main" id="{B093DF80-EBC5-1540-A846-F75115CB2151}"/>
               </a:ext>
             </a:extLst>
           </p:cNvPr>
@@ -2989,7 +2989,7 @@
           <p:cNvPr id="6" name="Slide Number Placeholder 5">
             <a:extLst>
               <a:ext uri="{FF2B5EF4-FFF2-40B4-BE49-F238E27FC236}">
-                <a16:creationId xmlns:a16="http://schemas.microsoft.com/office/drawing/2014/main" xmlns="" id="{F1D9750D-91B7-3F46-AB62-C029CBEE554A}"/>
+                <a16:creationId xmlns="" xmlns:a16="http://schemas.microsoft.com/office/drawing/2014/main" id="{F1D9750D-91B7-3F46-AB62-C029CBEE554A}"/>
               </a:ext>
             </a:extLst>
           </p:cNvPr>
@@ -3354,44 +3354,14 @@
       </p:grpSpPr>
       <p:pic>
         <p:nvPicPr>
-          <p:cNvPr id="7" name="Picture 6">
-            <a:extLst>
-              <a:ext uri="{FF2B5EF4-FFF2-40B4-BE49-F238E27FC236}">
-                <a16:creationId xmlns:a16="http://schemas.microsoft.com/office/drawing/2014/main" xmlns="" id="{C722260C-BF81-E547-95BE-7ED73D0F94CC}"/>
-              </a:ext>
-            </a:extLst>
-          </p:cNvPr>
+          <p:cNvPr id="3" name="Picture 2"/>
           <p:cNvPicPr>
             <a:picLocks noChangeAspect="1"/>
           </p:cNvPicPr>
           <p:nvPr/>
         </p:nvPicPr>
         <p:blipFill>
-          <a:blip r:embed="rId2"/>
-          <a:stretch>
-            <a:fillRect/>
-          </a:stretch>
-        </p:blipFill>
-        <p:spPr>
-          <a:xfrm>
-            <a:off x="7265145" y="1032387"/>
-            <a:ext cx="4236809" cy="5825613"/>
-          </a:xfrm>
-          <a:prstGeom prst="rect">
-            <a:avLst/>
-          </a:prstGeom>
-        </p:spPr>
-      </p:pic>
-      <p:pic>
-        <p:nvPicPr>
-          <p:cNvPr id="2" name="Picture 1"/>
-          <p:cNvPicPr>
-            <a:picLocks noChangeAspect="1"/>
-          </p:cNvPicPr>
-          <p:nvPr/>
-        </p:nvPicPr>
-        <p:blipFill>
-          <a:blip r:embed="rId3">
+          <a:blip r:embed="rId2">
             <a:extLst>
               <a:ext uri="{28A0092B-C50C-407E-A947-70E740481C1C}">
                 <a14:useLocalDpi xmlns:a14="http://schemas.microsoft.com/office/drawing/2010/main" val="0"/>
@@ -3406,6 +3376,36 @@
           <a:xfrm>
             <a:off x="909930" y="1032386"/>
             <a:ext cx="6355215" cy="5825613"/>
+          </a:xfrm>
+          <a:prstGeom prst="rect">
+            <a:avLst/>
+          </a:prstGeom>
+        </p:spPr>
+      </p:pic>
+      <p:pic>
+        <p:nvPicPr>
+          <p:cNvPr id="6" name="Picture 5"/>
+          <p:cNvPicPr>
+            <a:picLocks noChangeAspect="1"/>
+          </p:cNvPicPr>
+          <p:nvPr/>
+        </p:nvPicPr>
+        <p:blipFill>
+          <a:blip r:embed="rId3">
+            <a:extLst>
+              <a:ext uri="{28A0092B-C50C-407E-A947-70E740481C1C}">
+                <a14:useLocalDpi xmlns:a14="http://schemas.microsoft.com/office/drawing/2010/main" val="0"/>
+              </a:ext>
+            </a:extLst>
+          </a:blip>
+          <a:stretch>
+            <a:fillRect/>
+          </a:stretch>
+        </p:blipFill>
+        <p:spPr>
+          <a:xfrm>
+            <a:off x="7265145" y="1032385"/>
+            <a:ext cx="4236810" cy="5825614"/>
           </a:xfrm>
           <a:prstGeom prst="rect">
             <a:avLst/>
@@ -3422,6 +3422,13 @@
   <p:clrMapOvr>
     <a:masterClrMapping/>
   </p:clrMapOvr>
+  <p:timing>
+    <p:tnLst>
+      <p:par>
+        <p:cTn id="1" dur="indefinite" restart="never" nodeType="tmRoot"/>
+      </p:par>
+    </p:tnLst>
+  </p:timing>
 </p:sld>
 </file>
 
@@ -3444,28 +3451,28 @@
       </p:grpSpPr>
       <p:pic>
         <p:nvPicPr>
-          <p:cNvPr id="3" name="Picture 2">
-            <a:extLst>
-              <a:ext uri="{FF2B5EF4-FFF2-40B4-BE49-F238E27FC236}">
-                <a16:creationId xmlns:a16="http://schemas.microsoft.com/office/drawing/2014/main" xmlns="" id="{065C1631-FF4D-364B-99B2-A287EBB5D8C2}"/>
-              </a:ext>
-            </a:extLst>
-          </p:cNvPr>
+          <p:cNvPr id="3" name="Picture 2"/>
           <p:cNvPicPr>
             <a:picLocks noChangeAspect="1"/>
           </p:cNvPicPr>
           <p:nvPr/>
         </p:nvPicPr>
         <p:blipFill>
-          <a:blip r:embed="rId2"/>
+          <a:blip r:embed="rId2">
+            <a:extLst>
+              <a:ext uri="{28A0092B-C50C-407E-A947-70E740481C1C}">
+                <a14:useLocalDpi xmlns:a14="http://schemas.microsoft.com/office/drawing/2010/main" val="0"/>
+              </a:ext>
+            </a:extLst>
+          </a:blip>
           <a:stretch>
             <a:fillRect/>
           </a:stretch>
         </p:blipFill>
         <p:spPr>
           <a:xfrm>
-            <a:off x="7265145" y="1032387"/>
-            <a:ext cx="4238597" cy="5828072"/>
+            <a:off x="909930" y="1032386"/>
+            <a:ext cx="6355214" cy="5825613"/>
           </a:xfrm>
           <a:prstGeom prst="rect">
             <a:avLst/>
@@ -3494,8 +3501,8 @@
         </p:blipFill>
         <p:spPr>
           <a:xfrm>
-            <a:off x="909930" y="1032387"/>
-            <a:ext cx="6355215" cy="5825613"/>
+            <a:off x="7265145" y="1032386"/>
+            <a:ext cx="4239260" cy="5828983"/>
           </a:xfrm>
           <a:prstGeom prst="rect">
             <a:avLst/>
@@ -3505,13 +3512,20 @@
     </p:spTree>
     <p:extLst>
       <p:ext uri="{BB962C8B-B14F-4D97-AF65-F5344CB8AC3E}">
-        <p14:creationId xmlns:p14="http://schemas.microsoft.com/office/powerpoint/2010/main" val="3657328308"/>
+        <p14:creationId xmlns:p14="http://schemas.microsoft.com/office/powerpoint/2010/main" val="600037734"/>
       </p:ext>
     </p:extLst>
   </p:cSld>
   <p:clrMapOvr>
     <a:masterClrMapping/>
   </p:clrMapOvr>
+  <p:timing>
+    <p:tnLst>
+      <p:par>
+        <p:cTn id="1" dur="indefinite" restart="never" nodeType="tmRoot"/>
+      </p:par>
+    </p:tnLst>
+  </p:timing>
 </p:sld>
 </file>
 
@@ -3534,28 +3548,28 @@
       </p:grpSpPr>
       <p:pic>
         <p:nvPicPr>
-          <p:cNvPr id="3" name="Picture 2">
-            <a:extLst>
-              <a:ext uri="{FF2B5EF4-FFF2-40B4-BE49-F238E27FC236}">
-                <a16:creationId xmlns:a16="http://schemas.microsoft.com/office/drawing/2014/main" xmlns="" id="{57056596-5D2E-DC4C-9F62-893E77F1AE66}"/>
-              </a:ext>
-            </a:extLst>
-          </p:cNvPr>
+          <p:cNvPr id="3" name="Picture 2"/>
           <p:cNvPicPr>
             <a:picLocks noChangeAspect="1"/>
           </p:cNvPicPr>
           <p:nvPr/>
         </p:nvPicPr>
         <p:blipFill>
-          <a:blip r:embed="rId2"/>
+          <a:blip r:embed="rId2">
+            <a:extLst>
+              <a:ext uri="{28A0092B-C50C-407E-A947-70E740481C1C}">
+                <a14:useLocalDpi xmlns:a14="http://schemas.microsoft.com/office/drawing/2010/main" val="0"/>
+              </a:ext>
+            </a:extLst>
+          </a:blip>
           <a:stretch>
             <a:fillRect/>
           </a:stretch>
         </p:blipFill>
         <p:spPr>
           <a:xfrm>
-            <a:off x="7265145" y="1032387"/>
-            <a:ext cx="4236809" cy="5825613"/>
+            <a:off x="909930" y="1032386"/>
+            <a:ext cx="6355214" cy="5825613"/>
           </a:xfrm>
           <a:prstGeom prst="rect">
             <a:avLst/>
@@ -3564,7 +3578,7 @@
       </p:pic>
       <p:pic>
         <p:nvPicPr>
-          <p:cNvPr id="2" name="Picture 1"/>
+          <p:cNvPr id="6" name="Picture 5"/>
           <p:cNvPicPr>
             <a:picLocks noChangeAspect="1"/>
           </p:cNvPicPr>
@@ -3584,8 +3598,8 @@
         </p:blipFill>
         <p:spPr>
           <a:xfrm>
-            <a:off x="909930" y="1032386"/>
-            <a:ext cx="6355215" cy="5825613"/>
+            <a:off x="7265145" y="1032385"/>
+            <a:ext cx="4236810" cy="5825613"/>
           </a:xfrm>
           <a:prstGeom prst="rect">
             <a:avLst/>
@@ -3595,13 +3609,20 @@
     </p:spTree>
     <p:extLst>
       <p:ext uri="{BB962C8B-B14F-4D97-AF65-F5344CB8AC3E}">
-        <p14:creationId xmlns:p14="http://schemas.microsoft.com/office/powerpoint/2010/main" val="252426397"/>
+        <p14:creationId xmlns:p14="http://schemas.microsoft.com/office/powerpoint/2010/main" val="714677274"/>
       </p:ext>
     </p:extLst>
   </p:cSld>
   <p:clrMapOvr>
     <a:masterClrMapping/>
   </p:clrMapOvr>
+  <p:timing>
+    <p:tnLst>
+      <p:par>
+        <p:cTn id="1" dur="indefinite" restart="never" nodeType="tmRoot"/>
+      </p:par>
+    </p:tnLst>
+  </p:timing>
 </p:sld>
 </file>
 
@@ -3624,28 +3645,28 @@
       </p:grpSpPr>
       <p:pic>
         <p:nvPicPr>
-          <p:cNvPr id="3" name="Picture 2">
-            <a:extLst>
-              <a:ext uri="{FF2B5EF4-FFF2-40B4-BE49-F238E27FC236}">
-                <a16:creationId xmlns:a16="http://schemas.microsoft.com/office/drawing/2014/main" xmlns="" id="{7A51101A-58E2-5D47-9C72-84732412FF89}"/>
-              </a:ext>
-            </a:extLst>
-          </p:cNvPr>
+          <p:cNvPr id="3" name="Picture 2"/>
           <p:cNvPicPr>
             <a:picLocks noChangeAspect="1"/>
           </p:cNvPicPr>
           <p:nvPr/>
         </p:nvPicPr>
         <p:blipFill>
-          <a:blip r:embed="rId2"/>
+          <a:blip r:embed="rId2">
+            <a:extLst>
+              <a:ext uri="{28A0092B-C50C-407E-A947-70E740481C1C}">
+                <a14:useLocalDpi xmlns:a14="http://schemas.microsoft.com/office/drawing/2010/main" val="0"/>
+              </a:ext>
+            </a:extLst>
+          </a:blip>
           <a:stretch>
             <a:fillRect/>
           </a:stretch>
         </p:blipFill>
         <p:spPr>
           <a:xfrm>
-            <a:off x="7265145" y="1032386"/>
-            <a:ext cx="4236809" cy="5825613"/>
+            <a:off x="909930" y="1032386"/>
+            <a:ext cx="6355214" cy="5825613"/>
           </a:xfrm>
           <a:prstGeom prst="rect">
             <a:avLst/>
@@ -3654,7 +3675,7 @@
       </p:pic>
       <p:pic>
         <p:nvPicPr>
-          <p:cNvPr id="2" name="Picture 1"/>
+          <p:cNvPr id="6" name="Picture 5"/>
           <p:cNvPicPr>
             <a:picLocks noChangeAspect="1"/>
           </p:cNvPicPr>
@@ -3674,8 +3695,8 @@
         </p:blipFill>
         <p:spPr>
           <a:xfrm>
-            <a:off x="909929" y="1032385"/>
-            <a:ext cx="6355216" cy="5825614"/>
+            <a:off x="7265145" y="1032385"/>
+            <a:ext cx="4236810" cy="5825613"/>
           </a:xfrm>
           <a:prstGeom prst="rect">
             <a:avLst/>
@@ -3685,13 +3706,20 @@
     </p:spTree>
     <p:extLst>
       <p:ext uri="{BB962C8B-B14F-4D97-AF65-F5344CB8AC3E}">
-        <p14:creationId xmlns:p14="http://schemas.microsoft.com/office/powerpoint/2010/main" val="4207468171"/>
+        <p14:creationId xmlns:p14="http://schemas.microsoft.com/office/powerpoint/2010/main" val="1842857877"/>
       </p:ext>
     </p:extLst>
   </p:cSld>
   <p:clrMapOvr>
     <a:masterClrMapping/>
   </p:clrMapOvr>
+  <p:timing>
+    <p:tnLst>
+      <p:par>
+        <p:cTn id="1" dur="indefinite" restart="never" nodeType="tmRoot"/>
+      </p:par>
+    </p:tnLst>
+  </p:timing>
 </p:sld>
 </file>
 
@@ -3714,28 +3742,28 @@
       </p:grpSpPr>
       <p:pic>
         <p:nvPicPr>
-          <p:cNvPr id="3" name="Picture 2">
-            <a:extLst>
-              <a:ext uri="{FF2B5EF4-FFF2-40B4-BE49-F238E27FC236}">
-                <a16:creationId xmlns:a16="http://schemas.microsoft.com/office/drawing/2014/main" xmlns="" id="{5B00487A-56D2-7746-979B-3E061AF32B8F}"/>
-              </a:ext>
-            </a:extLst>
-          </p:cNvPr>
+          <p:cNvPr id="3" name="Picture 2"/>
           <p:cNvPicPr>
             <a:picLocks noChangeAspect="1"/>
           </p:cNvPicPr>
           <p:nvPr/>
         </p:nvPicPr>
         <p:blipFill>
-          <a:blip r:embed="rId2"/>
+          <a:blip r:embed="rId2">
+            <a:extLst>
+              <a:ext uri="{28A0092B-C50C-407E-A947-70E740481C1C}">
+                <a14:useLocalDpi xmlns:a14="http://schemas.microsoft.com/office/drawing/2010/main" val="0"/>
+              </a:ext>
+            </a:extLst>
+          </a:blip>
           <a:stretch>
             <a:fillRect/>
           </a:stretch>
         </p:blipFill>
         <p:spPr>
           <a:xfrm>
-            <a:off x="7265145" y="1032386"/>
-            <a:ext cx="4236809" cy="5825613"/>
+            <a:off x="909930" y="1032386"/>
+            <a:ext cx="6355214" cy="5825613"/>
           </a:xfrm>
           <a:prstGeom prst="rect">
             <a:avLst/>
@@ -3744,7 +3772,7 @@
       </p:pic>
       <p:pic>
         <p:nvPicPr>
-          <p:cNvPr id="2" name="Picture 1"/>
+          <p:cNvPr id="6" name="Picture 5"/>
           <p:cNvPicPr>
             <a:picLocks noChangeAspect="1"/>
           </p:cNvPicPr>
@@ -3764,8 +3792,8 @@
         </p:blipFill>
         <p:spPr>
           <a:xfrm>
-            <a:off x="909929" y="1032385"/>
-            <a:ext cx="6355216" cy="5825614"/>
+            <a:off x="7265145" y="1032385"/>
+            <a:ext cx="4236810" cy="5825613"/>
           </a:xfrm>
           <a:prstGeom prst="rect">
             <a:avLst/>
@@ -3775,13 +3803,20 @@
     </p:spTree>
     <p:extLst>
       <p:ext uri="{BB962C8B-B14F-4D97-AF65-F5344CB8AC3E}">
-        <p14:creationId xmlns:p14="http://schemas.microsoft.com/office/powerpoint/2010/main" val="3043415200"/>
+        <p14:creationId xmlns:p14="http://schemas.microsoft.com/office/powerpoint/2010/main" val="5993870"/>
       </p:ext>
     </p:extLst>
   </p:cSld>
   <p:clrMapOvr>
     <a:masterClrMapping/>
   </p:clrMapOvr>
+  <p:timing>
+    <p:tnLst>
+      <p:par>
+        <p:cTn id="1" dur="indefinite" restart="never" nodeType="tmRoot"/>
+      </p:par>
+    </p:tnLst>
+  </p:timing>
 </p:sld>
 </file>
 
@@ -3804,28 +3839,28 @@
       </p:grpSpPr>
       <p:pic>
         <p:nvPicPr>
-          <p:cNvPr id="3" name="Picture 2">
-            <a:extLst>
-              <a:ext uri="{FF2B5EF4-FFF2-40B4-BE49-F238E27FC236}">
-                <a16:creationId xmlns:a16="http://schemas.microsoft.com/office/drawing/2014/main" xmlns="" id="{560F2324-C0F8-9448-B22E-07A64C9723B9}"/>
-              </a:ext>
-            </a:extLst>
-          </p:cNvPr>
+          <p:cNvPr id="3" name="Picture 2"/>
           <p:cNvPicPr>
             <a:picLocks noChangeAspect="1"/>
           </p:cNvPicPr>
           <p:nvPr/>
         </p:nvPicPr>
         <p:blipFill>
-          <a:blip r:embed="rId2"/>
+          <a:blip r:embed="rId2">
+            <a:extLst>
+              <a:ext uri="{28A0092B-C50C-407E-A947-70E740481C1C}">
+                <a14:useLocalDpi xmlns:a14="http://schemas.microsoft.com/office/drawing/2010/main" val="0"/>
+              </a:ext>
+            </a:extLst>
+          </a:blip>
           <a:stretch>
             <a:fillRect/>
           </a:stretch>
         </p:blipFill>
         <p:spPr>
           <a:xfrm>
-            <a:off x="7265145" y="1032387"/>
-            <a:ext cx="4236809" cy="5825613"/>
+            <a:off x="909930" y="1032386"/>
+            <a:ext cx="6355214" cy="5825613"/>
           </a:xfrm>
           <a:prstGeom prst="rect">
             <a:avLst/>
@@ -3834,7 +3869,7 @@
       </p:pic>
       <p:pic>
         <p:nvPicPr>
-          <p:cNvPr id="2" name="Picture 1"/>
+          <p:cNvPr id="6" name="Picture 5"/>
           <p:cNvPicPr>
             <a:picLocks noChangeAspect="1"/>
           </p:cNvPicPr>
@@ -3854,8 +3889,8 @@
         </p:blipFill>
         <p:spPr>
           <a:xfrm>
-            <a:off x="909930" y="1032387"/>
-            <a:ext cx="6355215" cy="5825613"/>
+            <a:off x="7265145" y="1032385"/>
+            <a:ext cx="4236810" cy="5825613"/>
           </a:xfrm>
           <a:prstGeom prst="rect">
             <a:avLst/>
@@ -3865,13 +3900,20 @@
     </p:spTree>
     <p:extLst>
       <p:ext uri="{BB962C8B-B14F-4D97-AF65-F5344CB8AC3E}">
-        <p14:creationId xmlns:p14="http://schemas.microsoft.com/office/powerpoint/2010/main" val="1657592650"/>
+        <p14:creationId xmlns:p14="http://schemas.microsoft.com/office/powerpoint/2010/main" val="863755890"/>
       </p:ext>
     </p:extLst>
   </p:cSld>
   <p:clrMapOvr>
     <a:masterClrMapping/>
   </p:clrMapOvr>
+  <p:timing>
+    <p:tnLst>
+      <p:par>
+        <p:cTn id="1" dur="indefinite" restart="never" nodeType="tmRoot"/>
+      </p:par>
+    </p:tnLst>
+  </p:timing>
 </p:sld>
 </file>
 
